--- a/Docker/Docs/Slides/Docker for Local Development.pptx
+++ b/Docker/Docs/Slides/Docker for Local Development.pptx
@@ -8491,35 +8491,6 @@
 </file>
 
 <file path=customXml/item1.xml><?xml version="1.0" encoding="utf-8"?>
-<?mso-contentType ?>
-<FormTemplates xmlns="http://schemas.microsoft.com/sharepoint/v3/contenttype/forms">
-  <Display>DocumentLibraryForm</Display>
-  <Edit>DocumentLibraryForm</Edit>
-  <New>DocumentLibraryForm</New>
-</FormTemplates>
-</file>
-
-<file path=customXml/item2.xml><?xml version="1.0" encoding="utf-8"?>
-<p:properties xmlns:p="http://schemas.microsoft.com/office/2006/metadata/properties" xmlns:xsi="http://www.w3.org/2001/XMLSchema-instance" xmlns:pc="http://schemas.microsoft.com/office/infopath/2007/PartnerControls">
-  <documentManagement>
-    <_ip_UnifiedCompliancePolicyUIAction xmlns="http://schemas.microsoft.com/sharepoint/v3" xsi:nil="true"/>
-    <Image xmlns="71af3243-3dd4-4a8d-8c0d-dd76da1f02a5">
-      <Url xsi:nil="true"/>
-      <Description xsi:nil="true"/>
-    </Image>
-    <Status xmlns="71af3243-3dd4-4a8d-8c0d-dd76da1f02a5">Not started</Status>
-    <Background xmlns="71af3243-3dd4-4a8d-8c0d-dd76da1f02a5">false</Background>
-    <_ip_UnifiedCompliancePolicyProperties xmlns="http://schemas.microsoft.com/sharepoint/v3" xsi:nil="true"/>
-    <ImageTagsTaxHTField xmlns="71af3243-3dd4-4a8d-8c0d-dd76da1f02a5">
-      <Terms xmlns="http://schemas.microsoft.com/office/infopath/2007/PartnerControls"/>
-    </ImageTagsTaxHTField>
-    <TaxCatchAll xmlns="230e9df3-be65-4c73-a93b-d1236ebd677e" xsi:nil="true"/>
-    <MediaServiceKeyPoints xmlns="71af3243-3dd4-4a8d-8c0d-dd76da1f02a5" xsi:nil="true"/>
-  </documentManagement>
-</p:properties>
-</file>
-
-<file path=customXml/item3.xml><?xml version="1.0" encoding="utf-8"?>
 <ct:contentTypeSchema xmlns:ct="http://schemas.microsoft.com/office/2006/metadata/contentType" xmlns:ma="http://schemas.microsoft.com/office/2006/metadata/properties/metaAttributes" ct:_="" ma:_="" ma:contentTypeName="Document" ma:contentTypeID="0x01010079F111ED35F8CC479449609E8A0923A6" ma:contentTypeVersion="28" ma:contentTypeDescription="Create a new document." ma:contentTypeScope="" ma:versionID="60f5a4f2d2b0abadcf532d48ebf9cb71">
   <xsd:schema xmlns:xsd="http://www.w3.org/2001/XMLSchema" xmlns:xs="http://www.w3.org/2001/XMLSchema" xmlns:p="http://schemas.microsoft.com/office/2006/metadata/properties" xmlns:ns1="http://schemas.microsoft.com/sharepoint/v3" xmlns:ns2="71af3243-3dd4-4a8d-8c0d-dd76da1f02a5" xmlns:ns3="16c05727-aa75-4e4a-9b5f-8a80a1165891" xmlns:ns4="230e9df3-be65-4c73-a93b-d1236ebd677e" targetNamespace="http://schemas.microsoft.com/office/2006/metadata/properties" ma:root="true" ma:fieldsID="7dd78129e6a1811f84807ad11c651531" ns1:_="" ns2:_="" ns3:_="" ns4:_="">
     <xsd:import namespace="http://schemas.microsoft.com/sharepoint/v3"/>
@@ -8831,27 +8802,36 @@
 </ct:contentTypeSchema>
 </file>
 
-<file path=customXml/itemProps1.xml><?xml version="1.0" encoding="utf-8"?>
-<ds:datastoreItem xmlns:ds="http://schemas.openxmlformats.org/officeDocument/2006/customXml" ds:itemID="{CABF691C-888B-4061-8A6F-D5CE84A0254B}">
-  <ds:schemaRefs>
-    <ds:schemaRef ds:uri="http://schemas.microsoft.com/sharepoint/v3/contenttype/forms"/>
-  </ds:schemaRefs>
-</ds:datastoreItem>
+<file path=customXml/item2.xml><?xml version="1.0" encoding="utf-8"?>
+<p:properties xmlns:p="http://schemas.microsoft.com/office/2006/metadata/properties" xmlns:xsi="http://www.w3.org/2001/XMLSchema-instance" xmlns:pc="http://schemas.microsoft.com/office/infopath/2007/PartnerControls">
+  <documentManagement>
+    <_ip_UnifiedCompliancePolicyUIAction xmlns="http://schemas.microsoft.com/sharepoint/v3" xsi:nil="true"/>
+    <Image xmlns="71af3243-3dd4-4a8d-8c0d-dd76da1f02a5">
+      <Url xsi:nil="true"/>
+      <Description xsi:nil="true"/>
+    </Image>
+    <Status xmlns="71af3243-3dd4-4a8d-8c0d-dd76da1f02a5">Not started</Status>
+    <Background xmlns="71af3243-3dd4-4a8d-8c0d-dd76da1f02a5">false</Background>
+    <_ip_UnifiedCompliancePolicyProperties xmlns="http://schemas.microsoft.com/sharepoint/v3" xsi:nil="true"/>
+    <ImageTagsTaxHTField xmlns="71af3243-3dd4-4a8d-8c0d-dd76da1f02a5">
+      <Terms xmlns="http://schemas.microsoft.com/office/infopath/2007/PartnerControls"/>
+    </ImageTagsTaxHTField>
+    <TaxCatchAll xmlns="230e9df3-be65-4c73-a93b-d1236ebd677e" xsi:nil="true"/>
+    <MediaServiceKeyPoints xmlns="71af3243-3dd4-4a8d-8c0d-dd76da1f02a5" xsi:nil="true"/>
+  </documentManagement>
+</p:properties>
 </file>
 
-<file path=customXml/itemProps2.xml><?xml version="1.0" encoding="utf-8"?>
-<ds:datastoreItem xmlns:ds="http://schemas.openxmlformats.org/officeDocument/2006/customXml" ds:itemID="{49168DCE-134F-4610-A6AA-88CEBE8D71D2}">
-  <ds:schemaRefs>
-    <ds:schemaRef ds:uri="http://schemas.microsoft.com/office/2006/metadata/properties"/>
-    <ds:schemaRef ds:uri="http://schemas.microsoft.com/office/infopath/2007/PartnerControls"/>
-    <ds:schemaRef ds:uri="http://schemas.microsoft.com/sharepoint/v3"/>
-    <ds:schemaRef ds:uri="71af3243-3dd4-4a8d-8c0d-dd76da1f02a5"/>
-    <ds:schemaRef ds:uri="230e9df3-be65-4c73-a93b-d1236ebd677e"/>
-  </ds:schemaRefs>
-</ds:datastoreItem>
+<file path=customXml/item3.xml><?xml version="1.0" encoding="utf-8"?>
+<?mso-contentType ?>
+<FormTemplates xmlns="http://schemas.microsoft.com/sharepoint/v3/contenttype/forms">
+  <Display>DocumentLibraryForm</Display>
+  <Edit>DocumentLibraryForm</Edit>
+  <New>DocumentLibraryForm</New>
+</FormTemplates>
 </file>
 
-<file path=customXml/itemProps3.xml><?xml version="1.0" encoding="utf-8"?>
+<file path=customXml/itemProps1.xml><?xml version="1.0" encoding="utf-8"?>
 <ds:datastoreItem xmlns:ds="http://schemas.openxmlformats.org/officeDocument/2006/customXml" ds:itemID="{5EDE3176-A15D-46A3-BDDB-64A0D7363224}">
   <ds:schemaRefs>
     <ds:schemaRef ds:uri="http://schemas.microsoft.com/office/2006/metadata/contentType"/>
@@ -8872,6 +8852,26 @@
 </ds:datastoreItem>
 </file>
 
+<file path=customXml/itemProps2.xml><?xml version="1.0" encoding="utf-8"?>
+<ds:datastoreItem xmlns:ds="http://schemas.openxmlformats.org/officeDocument/2006/customXml" ds:itemID="{49168DCE-134F-4610-A6AA-88CEBE8D71D2}">
+  <ds:schemaRefs>
+    <ds:schemaRef ds:uri="http://schemas.microsoft.com/office/2006/metadata/properties"/>
+    <ds:schemaRef ds:uri="http://schemas.microsoft.com/office/infopath/2007/PartnerControls"/>
+    <ds:schemaRef ds:uri="http://schemas.microsoft.com/sharepoint/v3"/>
+    <ds:schemaRef ds:uri="71af3243-3dd4-4a8d-8c0d-dd76da1f02a5"/>
+    <ds:schemaRef ds:uri="230e9df3-be65-4c73-a93b-d1236ebd677e"/>
+  </ds:schemaRefs>
+</ds:datastoreItem>
+</file>
+
+<file path=customXml/itemProps3.xml><?xml version="1.0" encoding="utf-8"?>
+<ds:datastoreItem xmlns:ds="http://schemas.openxmlformats.org/officeDocument/2006/customXml" ds:itemID="{CABF691C-888B-4061-8A6F-D5CE84A0254B}">
+  <ds:schemaRefs>
+    <ds:schemaRef ds:uri="http://schemas.microsoft.com/sharepoint/v3/contenttype/forms"/>
+  </ds:schemaRefs>
+</ds:datastoreItem>
+</file>
+
 <file path=docMetadata/LabelInfo.xml><?xml version="1.0" encoding="utf-8"?>
 <clbl:labelList xmlns:clbl="http://schemas.microsoft.com/office/2020/mipLabelMetadata"/>
 </file>
--- a/Docker/Docs/Slides/Docker for Local Development.pptx
+++ b/Docker/Docs/Slides/Docker for Local Development.pptx
@@ -5,22 +5,29 @@
     <p:sldMasterId id="2147483648" r:id="rId4"/>
   </p:sldMasterIdLst>
   <p:notesMasterIdLst>
-    <p:notesMasterId r:id="rId15"/>
+    <p:notesMasterId r:id="rId22"/>
   </p:notesMasterIdLst>
   <p:handoutMasterIdLst>
-    <p:handoutMasterId r:id="rId16"/>
+    <p:handoutMasterId r:id="rId23"/>
   </p:handoutMasterIdLst>
   <p:sldIdLst>
     <p:sldId id="256" r:id="rId5"/>
     <p:sldId id="278" r:id="rId6"/>
-    <p:sldId id="291" r:id="rId7"/>
-    <p:sldId id="289" r:id="rId8"/>
-    <p:sldId id="279" r:id="rId9"/>
-    <p:sldId id="258" r:id="rId10"/>
-    <p:sldId id="280" r:id="rId11"/>
-    <p:sldId id="286" r:id="rId12"/>
-    <p:sldId id="287" r:id="rId13"/>
-    <p:sldId id="271" r:id="rId14"/>
+    <p:sldId id="292" r:id="rId7"/>
+    <p:sldId id="291" r:id="rId8"/>
+    <p:sldId id="293" r:id="rId9"/>
+    <p:sldId id="294" r:id="rId10"/>
+    <p:sldId id="295" r:id="rId11"/>
+    <p:sldId id="289" r:id="rId12"/>
+    <p:sldId id="279" r:id="rId13"/>
+    <p:sldId id="296" r:id="rId14"/>
+    <p:sldId id="280" r:id="rId15"/>
+    <p:sldId id="297" r:id="rId16"/>
+    <p:sldId id="258" r:id="rId17"/>
+    <p:sldId id="298" r:id="rId18"/>
+    <p:sldId id="286" r:id="rId19"/>
+    <p:sldId id="287" r:id="rId20"/>
+    <p:sldId id="271" r:id="rId21"/>
   </p:sldIdLst>
   <p:sldSz cx="12192000" cy="6858000"/>
   <p:notesSz cx="6858000" cy="9144000"/>
@@ -224,7 +231,7 @@
           <a:p>
             <a:fld id="{B56F32FC-4BD9-442A-A8C6-51598C909FE3}" type="datetimeFigureOut">
               <a:rPr lang="en-US" smtClean="0"/>
-              <a:t>4/28/2024</a:t>
+              <a:t>5/1/2024</a:t>
             </a:fld>
             <a:endParaRPr lang="en-US" dirty="0"/>
           </a:p>
@@ -401,7 +408,7 @@
           <a:p>
             <a:fld id="{056371FA-A98D-41E8-93F4-09945841298A}" type="datetimeFigureOut">
               <a:rPr lang="en-US" smtClean="0"/>
-              <a:t>4/28/2024</a:t>
+              <a:t>4/30/2024</a:t>
             </a:fld>
             <a:endParaRPr lang="en-US" dirty="0"/>
           </a:p>
@@ -901,7 +908,7 @@
           <a:p>
             <a:fld id="{22289C57-55D7-40A4-A101-E74FAC7A092B}" type="slidenum">
               <a:rPr lang="en-US" smtClean="0"/>
-              <a:t>5</a:t>
+              <a:t>7</a:t>
             </a:fld>
             <a:endParaRPr lang="en-US" dirty="0"/>
           </a:p>
@@ -910,7 +917,7 @@
     </p:spTree>
     <p:extLst>
       <p:ext uri="{BB962C8B-B14F-4D97-AF65-F5344CB8AC3E}">
-        <p14:creationId xmlns:p14="http://schemas.microsoft.com/office/powerpoint/2010/main" val="2090324125"/>
+        <p14:creationId xmlns:p14="http://schemas.microsoft.com/office/powerpoint/2010/main" val="294338983"/>
       </p:ext>
     </p:extLst>
   </p:cSld>
@@ -985,7 +992,7 @@
           <a:p>
             <a:fld id="{22289C57-55D7-40A4-A101-E74FAC7A092B}" type="slidenum">
               <a:rPr lang="en-US" smtClean="0"/>
-              <a:t>6</a:t>
+              <a:t>9</a:t>
             </a:fld>
             <a:endParaRPr lang="en-US" dirty="0"/>
           </a:p>
@@ -994,7 +1001,7 @@
     </p:spTree>
     <p:extLst>
       <p:ext uri="{BB962C8B-B14F-4D97-AF65-F5344CB8AC3E}">
-        <p14:creationId xmlns:p14="http://schemas.microsoft.com/office/powerpoint/2010/main" val="2843954456"/>
+        <p14:creationId xmlns:p14="http://schemas.microsoft.com/office/powerpoint/2010/main" val="2090324125"/>
       </p:ext>
     </p:extLst>
   </p:cSld>
@@ -1069,7 +1076,7 @@
           <a:p>
             <a:fld id="{22289C57-55D7-40A4-A101-E74FAC7A092B}" type="slidenum">
               <a:rPr lang="en-US" smtClean="0"/>
-              <a:t>7</a:t>
+              <a:t>11</a:t>
             </a:fld>
             <a:endParaRPr lang="en-US" dirty="0"/>
           </a:p>
@@ -1153,7 +1160,91 @@
           <a:p>
             <a:fld id="{22289C57-55D7-40A4-A101-E74FAC7A092B}" type="slidenum">
               <a:rPr lang="en-US" smtClean="0"/>
-              <a:t>10</a:t>
+              <a:t>13</a:t>
+            </a:fld>
+            <a:endParaRPr lang="en-US" dirty="0"/>
+          </a:p>
+        </p:txBody>
+      </p:sp>
+    </p:spTree>
+    <p:extLst>
+      <p:ext uri="{BB962C8B-B14F-4D97-AF65-F5344CB8AC3E}">
+        <p14:creationId xmlns:p14="http://schemas.microsoft.com/office/powerpoint/2010/main" val="2843954456"/>
+      </p:ext>
+    </p:extLst>
+  </p:cSld>
+  <p:clrMapOvr>
+    <a:masterClrMapping/>
+  </p:clrMapOvr>
+</p:notes>
+</file>
+
+<file path=ppt/notesSlides/notesSlide7.xml><?xml version="1.0" encoding="utf-8"?>
+<p:notes xmlns:a="http://schemas.openxmlformats.org/drawingml/2006/main" xmlns:r="http://schemas.openxmlformats.org/officeDocument/2006/relationships" xmlns:p="http://schemas.openxmlformats.org/presentationml/2006/main">
+  <p:cSld>
+    <p:spTree>
+      <p:nvGrpSpPr>
+        <p:cNvPr id="1" name=""/>
+        <p:cNvGrpSpPr/>
+        <p:nvPr/>
+      </p:nvGrpSpPr>
+      <p:grpSpPr>
+        <a:xfrm>
+          <a:off x="0" y="0"/>
+          <a:ext cx="0" cy="0"/>
+          <a:chOff x="0" y="0"/>
+          <a:chExt cx="0" cy="0"/>
+        </a:xfrm>
+      </p:grpSpPr>
+      <p:sp>
+        <p:nvSpPr>
+          <p:cNvPr id="2" name="Slide Image Placeholder 1"/>
+          <p:cNvSpPr>
+            <a:spLocks noGrp="1" noRot="1" noChangeAspect="1"/>
+          </p:cNvSpPr>
+          <p:nvPr>
+            <p:ph type="sldImg"/>
+          </p:nvPr>
+        </p:nvSpPr>
+        <p:spPr/>
+      </p:sp>
+      <p:sp>
+        <p:nvSpPr>
+          <p:cNvPr id="3" name="Notes Placeholder 2"/>
+          <p:cNvSpPr>
+            <a:spLocks noGrp="1"/>
+          </p:cNvSpPr>
+          <p:nvPr>
+            <p:ph type="body" idx="1"/>
+          </p:nvPr>
+        </p:nvSpPr>
+        <p:spPr/>
+        <p:txBody>
+          <a:bodyPr/>
+          <a:lstStyle/>
+          <a:p>
+            <a:endParaRPr lang="en-US" dirty="0"/>
+          </a:p>
+        </p:txBody>
+      </p:sp>
+      <p:sp>
+        <p:nvSpPr>
+          <p:cNvPr id="4" name="Slide Number Placeholder 3"/>
+          <p:cNvSpPr>
+            <a:spLocks noGrp="1"/>
+          </p:cNvSpPr>
+          <p:nvPr>
+            <p:ph type="sldNum" sz="quarter" idx="5"/>
+          </p:nvPr>
+        </p:nvSpPr>
+        <p:spPr/>
+        <p:txBody>
+          <a:bodyPr/>
+          <a:lstStyle/>
+          <a:p>
+            <a:fld id="{22289C57-55D7-40A4-A101-E74FAC7A092B}" type="slidenum">
+              <a:rPr lang="en-US" smtClean="0"/>
+              <a:t>17</a:t>
             </a:fld>
             <a:endParaRPr lang="en-US" dirty="0"/>
           </a:p>
@@ -6561,8 +6652,13 @@
           <a:p>
             <a:r>
               <a:rPr lang="en-US" dirty="0"/>
-              <a:t>Docker for Local Development</a:t>
-            </a:r>
+              <a:t>Docker </a:t>
+            </a:r>
+            <a:r>
+              <a:rPr lang="ka-GE" dirty="0"/>
+              <a:t>101</a:t>
+            </a:r>
+            <a:endParaRPr lang="en-US" dirty="0"/>
           </a:p>
         </p:txBody>
       </p:sp>
@@ -6601,6 +6697,855 @@
           <p:cNvPr id="2" name="Title 1">
             <a:extLst>
               <a:ext uri="{FF2B5EF4-FFF2-40B4-BE49-F238E27FC236}">
+                <a16:creationId xmlns:a16="http://schemas.microsoft.com/office/drawing/2014/main" id="{7548DB41-9762-D205-50CD-AA070C6D618A}"/>
+              </a:ext>
+            </a:extLst>
+          </p:cNvPr>
+          <p:cNvSpPr>
+            <a:spLocks noGrp="1"/>
+          </p:cNvSpPr>
+          <p:nvPr>
+            <p:ph type="ctrTitle"/>
+          </p:nvPr>
+        </p:nvSpPr>
+        <p:spPr>
+          <a:xfrm>
+            <a:off x="6522129" y="-408020"/>
+            <a:ext cx="4941771" cy="3200400"/>
+          </a:xfrm>
+        </p:spPr>
+        <p:txBody>
+          <a:bodyPr/>
+          <a:lstStyle/>
+          <a:p>
+            <a:r>
+              <a:rPr lang="en-US" dirty="0"/>
+              <a:t>Benefits of Using Docker</a:t>
+            </a:r>
+            <a:endParaRPr lang="ka-GE" dirty="0"/>
+          </a:p>
+        </p:txBody>
+      </p:sp>
+      <p:sp>
+        <p:nvSpPr>
+          <p:cNvPr id="3" name="Title 1">
+            <a:extLst>
+              <a:ext uri="{FF2B5EF4-FFF2-40B4-BE49-F238E27FC236}">
+                <a16:creationId xmlns:a16="http://schemas.microsoft.com/office/drawing/2014/main" id="{22A2D3DF-F548-5FDF-57A3-B11DBC4CAB59}"/>
+              </a:ext>
+            </a:extLst>
+          </p:cNvPr>
+          <p:cNvSpPr txBox="1">
+            <a:spLocks/>
+          </p:cNvSpPr>
+          <p:nvPr/>
+        </p:nvSpPr>
+        <p:spPr>
+          <a:xfrm>
+            <a:off x="6522128" y="1683369"/>
+            <a:ext cx="4941771" cy="3200400"/>
+          </a:xfrm>
+          <a:prstGeom prst="rect">
+            <a:avLst/>
+          </a:prstGeom>
+        </p:spPr>
+        <p:txBody>
+          <a:bodyPr vert="horz" lIns="91440" tIns="45720" rIns="91440" bIns="45720" rtlCol="0" anchor="ctr">
+            <a:noAutofit/>
+          </a:bodyPr>
+          <a:lstStyle>
+            <a:lvl1pPr algn="l" defTabSz="914400" rtl="0" eaLnBrk="1" latinLnBrk="0" hangingPunct="1">
+              <a:lnSpc>
+                <a:spcPct val="90000"/>
+              </a:lnSpc>
+              <a:spcBef>
+                <a:spcPct val="0"/>
+              </a:spcBef>
+              <a:buNone/>
+              <a:defRPr sz="3600" kern="1200" cap="all" spc="150" baseline="0">
+                <a:solidFill>
+                  <a:schemeClr val="tx1"/>
+                </a:solidFill>
+                <a:latin typeface="+mj-lt"/>
+                <a:ea typeface="+mj-ea"/>
+                <a:cs typeface="+mj-cs"/>
+              </a:defRPr>
+            </a:lvl1pPr>
+          </a:lstStyle>
+          <a:p>
+            <a:pPr marL="571500" indent="-571500">
+              <a:buFont typeface="Arial" panose="020B0604020202020204" pitchFamily="34" charset="0"/>
+              <a:buChar char="•"/>
+            </a:pPr>
+            <a:r>
+              <a:rPr lang="en-US" dirty="0"/>
+              <a:t>Portability</a:t>
+            </a:r>
+          </a:p>
+          <a:p>
+            <a:pPr marL="571500" indent="-571500">
+              <a:buFont typeface="Arial" panose="020B0604020202020204" pitchFamily="34" charset="0"/>
+              <a:buChar char="•"/>
+            </a:pPr>
+            <a:r>
+              <a:rPr lang="en-US" dirty="0"/>
+              <a:t>Low resource usage</a:t>
+            </a:r>
+          </a:p>
+          <a:p>
+            <a:pPr marL="571500" indent="-571500">
+              <a:buFont typeface="Arial" panose="020B0604020202020204" pitchFamily="34" charset="0"/>
+              <a:buChar char="•"/>
+            </a:pPr>
+            <a:r>
+              <a:rPr lang="en-US" dirty="0"/>
+              <a:t>Faster deployments</a:t>
+            </a:r>
+          </a:p>
+          <a:p>
+            <a:pPr marL="571500" indent="-571500">
+              <a:buFont typeface="Arial" panose="020B0604020202020204" pitchFamily="34" charset="0"/>
+              <a:buChar char="•"/>
+            </a:pPr>
+            <a:endParaRPr lang="en-US" dirty="0"/>
+          </a:p>
+        </p:txBody>
+      </p:sp>
+    </p:spTree>
+    <p:extLst>
+      <p:ext uri="{BB962C8B-B14F-4D97-AF65-F5344CB8AC3E}">
+        <p14:creationId xmlns:p14="http://schemas.microsoft.com/office/powerpoint/2010/main" val="142744270"/>
+      </p:ext>
+    </p:extLst>
+  </p:cSld>
+  <p:clrMapOvr>
+    <a:masterClrMapping/>
+  </p:clrMapOvr>
+</p:sld>
+</file>
+
+<file path=ppt/slides/slide11.xml><?xml version="1.0" encoding="utf-8"?>
+<p:sld xmlns:a="http://schemas.openxmlformats.org/drawingml/2006/main" xmlns:r="http://schemas.openxmlformats.org/officeDocument/2006/relationships" xmlns:p="http://schemas.openxmlformats.org/presentationml/2006/main">
+  <p:cSld>
+    <p:spTree>
+      <p:nvGrpSpPr>
+        <p:cNvPr id="1" name=""/>
+        <p:cNvGrpSpPr/>
+        <p:nvPr/>
+      </p:nvGrpSpPr>
+      <p:grpSpPr>
+        <a:xfrm>
+          <a:off x="0" y="0"/>
+          <a:ext cx="0" cy="0"/>
+          <a:chOff x="0" y="0"/>
+          <a:chExt cx="0" cy="0"/>
+        </a:xfrm>
+      </p:grpSpPr>
+      <p:sp>
+        <p:nvSpPr>
+          <p:cNvPr id="2" name="Title 1">
+            <a:extLst>
+              <a:ext uri="{FF2B5EF4-FFF2-40B4-BE49-F238E27FC236}">
+                <a16:creationId xmlns:a16="http://schemas.microsoft.com/office/drawing/2014/main" id="{566C97BE-403B-122E-90D1-2788978A0B6F}"/>
+              </a:ext>
+            </a:extLst>
+          </p:cNvPr>
+          <p:cNvSpPr>
+            <a:spLocks noGrp="1"/>
+          </p:cNvSpPr>
+          <p:nvPr>
+            <p:ph type="ctrTitle"/>
+          </p:nvPr>
+        </p:nvSpPr>
+        <p:spPr>
+          <a:xfrm>
+            <a:off x="6879055" y="753979"/>
+            <a:ext cx="4179570" cy="1474097"/>
+          </a:xfrm>
+        </p:spPr>
+        <p:txBody>
+          <a:bodyPr/>
+          <a:lstStyle/>
+          <a:p>
+            <a:r>
+              <a:rPr lang="en-US" dirty="0"/>
+              <a:t>Benefits of Using Docker</a:t>
+            </a:r>
+          </a:p>
+        </p:txBody>
+      </p:sp>
+      <p:sp>
+        <p:nvSpPr>
+          <p:cNvPr id="3" name="Title 1">
+            <a:extLst>
+              <a:ext uri="{FF2B5EF4-FFF2-40B4-BE49-F238E27FC236}">
+                <a16:creationId xmlns:a16="http://schemas.microsoft.com/office/drawing/2014/main" id="{D92BC9B2-8231-7EBD-BF67-ED9B73A00501}"/>
+              </a:ext>
+            </a:extLst>
+          </p:cNvPr>
+          <p:cNvSpPr txBox="1">
+            <a:spLocks/>
+          </p:cNvSpPr>
+          <p:nvPr/>
+        </p:nvSpPr>
+        <p:spPr>
+          <a:xfrm>
+            <a:off x="6879055" y="2967789"/>
+            <a:ext cx="4179570" cy="2223609"/>
+          </a:xfrm>
+          <a:prstGeom prst="rect">
+            <a:avLst/>
+          </a:prstGeom>
+        </p:spPr>
+        <p:txBody>
+          <a:bodyPr vert="horz" lIns="91440" tIns="45720" rIns="91440" bIns="45720" rtlCol="0" anchor="b">
+            <a:noAutofit/>
+          </a:bodyPr>
+          <a:lstStyle>
+            <a:lvl1pPr algn="l" defTabSz="914400" rtl="0" eaLnBrk="1" latinLnBrk="0" hangingPunct="1">
+              <a:lnSpc>
+                <a:spcPct val="90000"/>
+              </a:lnSpc>
+              <a:spcBef>
+                <a:spcPct val="0"/>
+              </a:spcBef>
+              <a:buNone/>
+              <a:defRPr sz="3600" kern="1200" cap="all" spc="150" baseline="0">
+                <a:solidFill>
+                  <a:schemeClr val="bg1"/>
+                </a:solidFill>
+                <a:latin typeface="+mj-lt"/>
+                <a:ea typeface="+mj-ea"/>
+                <a:cs typeface="+mj-cs"/>
+              </a:defRPr>
+            </a:lvl1pPr>
+          </a:lstStyle>
+          <a:p>
+            <a:pPr marL="571500" indent="-571500">
+              <a:buFont typeface="Arial" panose="020B0604020202020204" pitchFamily="34" charset="0"/>
+              <a:buChar char="•"/>
+            </a:pPr>
+            <a:r>
+              <a:rPr lang="en-US" sz="2600" dirty="0"/>
+              <a:t>Isolation of environment</a:t>
+            </a:r>
+          </a:p>
+          <a:p>
+            <a:pPr marL="571500" indent="-571500">
+              <a:buFont typeface="Arial" panose="020B0604020202020204" pitchFamily="34" charset="0"/>
+              <a:buChar char="•"/>
+            </a:pPr>
+            <a:r>
+              <a:rPr lang="en-US" sz="2600" dirty="0"/>
+              <a:t>Quick setup and teardown</a:t>
+            </a:r>
+          </a:p>
+        </p:txBody>
+      </p:sp>
+    </p:spTree>
+    <p:extLst>
+      <p:ext uri="{BB962C8B-B14F-4D97-AF65-F5344CB8AC3E}">
+        <p14:creationId xmlns:p14="http://schemas.microsoft.com/office/powerpoint/2010/main" val="334696707"/>
+      </p:ext>
+    </p:extLst>
+  </p:cSld>
+  <p:clrMapOvr>
+    <a:masterClrMapping/>
+  </p:clrMapOvr>
+</p:sld>
+</file>
+
+<file path=ppt/slides/slide12.xml><?xml version="1.0" encoding="utf-8"?>
+<p:sld xmlns:a="http://schemas.openxmlformats.org/drawingml/2006/main" xmlns:r="http://schemas.openxmlformats.org/officeDocument/2006/relationships" xmlns:p="http://schemas.openxmlformats.org/presentationml/2006/main">
+  <p:cSld>
+    <p:spTree>
+      <p:nvGrpSpPr>
+        <p:cNvPr id="1" name=""/>
+        <p:cNvGrpSpPr/>
+        <p:nvPr/>
+      </p:nvGrpSpPr>
+      <p:grpSpPr>
+        <a:xfrm>
+          <a:off x="0" y="0"/>
+          <a:ext cx="0" cy="0"/>
+          <a:chOff x="0" y="0"/>
+          <a:chExt cx="0" cy="0"/>
+        </a:xfrm>
+      </p:grpSpPr>
+      <p:sp>
+        <p:nvSpPr>
+          <p:cNvPr id="2" name="Title 1">
+            <a:extLst>
+              <a:ext uri="{FF2B5EF4-FFF2-40B4-BE49-F238E27FC236}">
+                <a16:creationId xmlns:a16="http://schemas.microsoft.com/office/drawing/2014/main" id="{7548DB41-9762-D205-50CD-AA070C6D618A}"/>
+              </a:ext>
+            </a:extLst>
+          </p:cNvPr>
+          <p:cNvSpPr>
+            <a:spLocks noGrp="1"/>
+          </p:cNvSpPr>
+          <p:nvPr>
+            <p:ph type="ctrTitle"/>
+          </p:nvPr>
+        </p:nvSpPr>
+        <p:spPr>
+          <a:xfrm>
+            <a:off x="6794844" y="-552399"/>
+            <a:ext cx="4941771" cy="3200400"/>
+          </a:xfrm>
+        </p:spPr>
+        <p:txBody>
+          <a:bodyPr/>
+          <a:lstStyle/>
+          <a:p>
+            <a:r>
+              <a:rPr lang="en-US" dirty="0"/>
+              <a:t>Challenges with docker</a:t>
+            </a:r>
+            <a:endParaRPr lang="ka-GE" dirty="0"/>
+          </a:p>
+        </p:txBody>
+      </p:sp>
+      <p:sp>
+        <p:nvSpPr>
+          <p:cNvPr id="3" name="Title 1">
+            <a:extLst>
+              <a:ext uri="{FF2B5EF4-FFF2-40B4-BE49-F238E27FC236}">
+                <a16:creationId xmlns:a16="http://schemas.microsoft.com/office/drawing/2014/main" id="{22A2D3DF-F548-5FDF-57A3-B11DBC4CAB59}"/>
+              </a:ext>
+            </a:extLst>
+          </p:cNvPr>
+          <p:cNvSpPr txBox="1">
+            <a:spLocks/>
+          </p:cNvSpPr>
+          <p:nvPr/>
+        </p:nvSpPr>
+        <p:spPr>
+          <a:xfrm>
+            <a:off x="6506086" y="2437348"/>
+            <a:ext cx="4941771" cy="3200400"/>
+          </a:xfrm>
+          <a:prstGeom prst="rect">
+            <a:avLst/>
+          </a:prstGeom>
+        </p:spPr>
+        <p:txBody>
+          <a:bodyPr vert="horz" lIns="91440" tIns="45720" rIns="91440" bIns="45720" rtlCol="0" anchor="ctr">
+            <a:noAutofit/>
+          </a:bodyPr>
+          <a:lstStyle>
+            <a:lvl1pPr algn="l" defTabSz="914400" rtl="0" eaLnBrk="1" latinLnBrk="0" hangingPunct="1">
+              <a:lnSpc>
+                <a:spcPct val="90000"/>
+              </a:lnSpc>
+              <a:spcBef>
+                <a:spcPct val="0"/>
+              </a:spcBef>
+              <a:buNone/>
+              <a:defRPr sz="3600" kern="1200" cap="all" spc="150" baseline="0">
+                <a:solidFill>
+                  <a:schemeClr val="tx1"/>
+                </a:solidFill>
+                <a:latin typeface="+mj-lt"/>
+                <a:ea typeface="+mj-ea"/>
+                <a:cs typeface="+mj-cs"/>
+              </a:defRPr>
+            </a:lvl1pPr>
+          </a:lstStyle>
+          <a:p>
+            <a:pPr marL="571500" indent="-571500">
+              <a:buFont typeface="Arial" panose="020B0604020202020204" pitchFamily="34" charset="0"/>
+              <a:buChar char="•"/>
+            </a:pPr>
+            <a:r>
+              <a:rPr lang="en-US" dirty="0"/>
+              <a:t>Managing big amounts of containers becomes complex</a:t>
+            </a:r>
+          </a:p>
+          <a:p>
+            <a:pPr marL="571500" indent="-571500">
+              <a:buFont typeface="Arial" panose="020B0604020202020204" pitchFamily="34" charset="0"/>
+              <a:buChar char="•"/>
+            </a:pPr>
+            <a:endParaRPr lang="en-US" dirty="0"/>
+          </a:p>
+        </p:txBody>
+      </p:sp>
+    </p:spTree>
+    <p:extLst>
+      <p:ext uri="{BB962C8B-B14F-4D97-AF65-F5344CB8AC3E}">
+        <p14:creationId xmlns:p14="http://schemas.microsoft.com/office/powerpoint/2010/main" val="2023387167"/>
+      </p:ext>
+    </p:extLst>
+  </p:cSld>
+  <p:clrMapOvr>
+    <a:masterClrMapping/>
+  </p:clrMapOvr>
+</p:sld>
+</file>
+
+<file path=ppt/slides/slide13.xml><?xml version="1.0" encoding="utf-8"?>
+<p:sld xmlns:a="http://schemas.openxmlformats.org/drawingml/2006/main" xmlns:r="http://schemas.openxmlformats.org/officeDocument/2006/relationships" xmlns:p="http://schemas.openxmlformats.org/presentationml/2006/main">
+  <p:cSld>
+    <p:spTree>
+      <p:nvGrpSpPr>
+        <p:cNvPr id="1" name=""/>
+        <p:cNvGrpSpPr/>
+        <p:nvPr/>
+      </p:nvGrpSpPr>
+      <p:grpSpPr>
+        <a:xfrm>
+          <a:off x="0" y="0"/>
+          <a:ext cx="0" cy="0"/>
+          <a:chOff x="0" y="0"/>
+          <a:chExt cx="0" cy="0"/>
+        </a:xfrm>
+      </p:grpSpPr>
+      <p:sp>
+        <p:nvSpPr>
+          <p:cNvPr id="2" name="Title 1">
+            <a:extLst>
+              <a:ext uri="{FF2B5EF4-FFF2-40B4-BE49-F238E27FC236}">
+                <a16:creationId xmlns:a16="http://schemas.microsoft.com/office/drawing/2014/main" id="{0A32731C-311B-46F7-A865-6C3AF6B09A47}"/>
+              </a:ext>
+            </a:extLst>
+          </p:cNvPr>
+          <p:cNvSpPr>
+            <a:spLocks noGrp="1"/>
+          </p:cNvSpPr>
+          <p:nvPr>
+            <p:ph type="title"/>
+          </p:nvPr>
+        </p:nvSpPr>
+        <p:spPr>
+          <a:xfrm>
+            <a:off x="1322318" y="268360"/>
+            <a:ext cx="7288282" cy="2121177"/>
+          </a:xfrm>
+        </p:spPr>
+        <p:txBody>
+          <a:bodyPr/>
+          <a:lstStyle/>
+          <a:p>
+            <a:r>
+              <a:rPr lang="en-US" dirty="0"/>
+              <a:t>One Command Setup</a:t>
+            </a:r>
+          </a:p>
+        </p:txBody>
+      </p:sp>
+      <p:sp>
+        <p:nvSpPr>
+          <p:cNvPr id="3" name="Text Placeholder 2">
+            <a:extLst>
+              <a:ext uri="{FF2B5EF4-FFF2-40B4-BE49-F238E27FC236}">
+                <a16:creationId xmlns:a16="http://schemas.microsoft.com/office/drawing/2014/main" id="{9D5232F9-FD00-464A-9F17-619C91AEF8F3}"/>
+              </a:ext>
+            </a:extLst>
+          </p:cNvPr>
+          <p:cNvSpPr>
+            <a:spLocks noGrp="1"/>
+          </p:cNvSpPr>
+          <p:nvPr>
+            <p:ph sz="half" idx="2"/>
+          </p:nvPr>
+        </p:nvSpPr>
+        <p:spPr>
+          <a:xfrm>
+            <a:off x="1322388" y="2763078"/>
+            <a:ext cx="7288212" cy="3407051"/>
+          </a:xfrm>
+        </p:spPr>
+        <p:txBody>
+          <a:bodyPr>
+            <a:normAutofit/>
+          </a:bodyPr>
+          <a:lstStyle/>
+          <a:p>
+            <a:pPr lvl="1"/>
+            <a:r>
+              <a:rPr lang="en-US" dirty="0"/>
+              <a:t>How to set up SQL Server, Redis, RabbitMQ, etc., using Docker</a:t>
+            </a:r>
+          </a:p>
+          <a:p>
+            <a:pPr lvl="1"/>
+            <a:r>
+              <a:rPr lang="en-US" dirty="0"/>
+              <a:t>docker pull </a:t>
+            </a:r>
+            <a:r>
+              <a:rPr lang="en-US" dirty="0" err="1"/>
+              <a:t>redis</a:t>
+            </a:r>
+            <a:endParaRPr lang="en-US" dirty="0"/>
+          </a:p>
+          <a:p>
+            <a:pPr lvl="1"/>
+            <a:r>
+              <a:rPr lang="en-US" dirty="0"/>
+              <a:t>docker run --name my-</a:t>
+            </a:r>
+            <a:r>
+              <a:rPr lang="en-US" dirty="0" err="1"/>
+              <a:t>redis</a:t>
+            </a:r>
+            <a:r>
+              <a:rPr lang="en-US" dirty="0"/>
+              <a:t>-instance -d </a:t>
+            </a:r>
+            <a:r>
+              <a:rPr lang="en-US" dirty="0" err="1"/>
+              <a:t>redis</a:t>
+            </a:r>
+            <a:endParaRPr lang="en-US" dirty="0"/>
+          </a:p>
+        </p:txBody>
+      </p:sp>
+      <p:sp>
+        <p:nvSpPr>
+          <p:cNvPr id="14" name="Slide Number Placeholder 5">
+            <a:extLst>
+              <a:ext uri="{FF2B5EF4-FFF2-40B4-BE49-F238E27FC236}">
+                <a16:creationId xmlns:a16="http://schemas.microsoft.com/office/drawing/2014/main" id="{ECE635A2-70B8-3EAB-6A18-952B02EBAA1E}"/>
+              </a:ext>
+            </a:extLst>
+          </p:cNvPr>
+          <p:cNvSpPr>
+            <a:spLocks noGrp="1"/>
+          </p:cNvSpPr>
+          <p:nvPr>
+            <p:ph type="sldNum" sz="quarter" idx="12"/>
+          </p:nvPr>
+        </p:nvSpPr>
+        <p:spPr>
+          <a:xfrm>
+            <a:off x="10373350" y="6356349"/>
+            <a:ext cx="987552" cy="365125"/>
+          </a:xfrm>
+        </p:spPr>
+        <p:txBody>
+          <a:bodyPr/>
+          <a:lstStyle/>
+          <a:p>
+            <a:fld id="{A49DFD55-3C28-40EF-9E31-A92D2E4017FF}" type="slidenum">
+              <a:rPr lang="en-US" smtClean="0"/>
+              <a:pPr/>
+              <a:t>13</a:t>
+            </a:fld>
+            <a:endParaRPr lang="en-US" dirty="0"/>
+          </a:p>
+        </p:txBody>
+      </p:sp>
+    </p:spTree>
+    <p:extLst>
+      <p:ext uri="{BB962C8B-B14F-4D97-AF65-F5344CB8AC3E}">
+        <p14:creationId xmlns:p14="http://schemas.microsoft.com/office/powerpoint/2010/main" val="3571516367"/>
+      </p:ext>
+    </p:extLst>
+  </p:cSld>
+  <p:clrMapOvr>
+    <a:masterClrMapping/>
+  </p:clrMapOvr>
+</p:sld>
+</file>
+
+<file path=ppt/slides/slide14.xml><?xml version="1.0" encoding="utf-8"?>
+<p:sld xmlns:a="http://schemas.openxmlformats.org/drawingml/2006/main" xmlns:r="http://schemas.openxmlformats.org/officeDocument/2006/relationships" xmlns:p="http://schemas.openxmlformats.org/presentationml/2006/main">
+  <p:cSld>
+    <p:spTree>
+      <p:nvGrpSpPr>
+        <p:cNvPr id="1" name=""/>
+        <p:cNvGrpSpPr/>
+        <p:nvPr/>
+      </p:nvGrpSpPr>
+      <p:grpSpPr>
+        <a:xfrm>
+          <a:off x="0" y="0"/>
+          <a:ext cx="0" cy="0"/>
+          <a:chOff x="0" y="0"/>
+          <a:chExt cx="0" cy="0"/>
+        </a:xfrm>
+      </p:grpSpPr>
+      <p:sp>
+        <p:nvSpPr>
+          <p:cNvPr id="2" name="Title 1">
+            <a:extLst>
+              <a:ext uri="{FF2B5EF4-FFF2-40B4-BE49-F238E27FC236}">
+                <a16:creationId xmlns:a16="http://schemas.microsoft.com/office/drawing/2014/main" id="{D7FC70C2-D334-D7FA-1726-568EE42EE749}"/>
+              </a:ext>
+            </a:extLst>
+          </p:cNvPr>
+          <p:cNvSpPr>
+            <a:spLocks noGrp="1"/>
+          </p:cNvSpPr>
+          <p:nvPr>
+            <p:ph type="ctrTitle"/>
+          </p:nvPr>
+        </p:nvSpPr>
+        <p:spPr>
+          <a:xfrm>
+            <a:off x="6991350" y="-1951382"/>
+            <a:ext cx="4179570" cy="3377354"/>
+          </a:xfrm>
+        </p:spPr>
+        <p:txBody>
+          <a:bodyPr/>
+          <a:lstStyle/>
+          <a:p>
+            <a:r>
+              <a:rPr lang="en-US" dirty="0"/>
+              <a:t>Docker images</a:t>
+            </a:r>
+            <a:endParaRPr lang="ka-GE" dirty="0"/>
+          </a:p>
+        </p:txBody>
+      </p:sp>
+      <p:sp>
+        <p:nvSpPr>
+          <p:cNvPr id="3" name="Title 1">
+            <a:extLst>
+              <a:ext uri="{FF2B5EF4-FFF2-40B4-BE49-F238E27FC236}">
+                <a16:creationId xmlns:a16="http://schemas.microsoft.com/office/drawing/2014/main" id="{8EAD839F-8C92-A24D-7080-15229BCCF2C1}"/>
+              </a:ext>
+            </a:extLst>
+          </p:cNvPr>
+          <p:cNvSpPr txBox="1">
+            <a:spLocks/>
+          </p:cNvSpPr>
+          <p:nvPr/>
+        </p:nvSpPr>
+        <p:spPr>
+          <a:xfrm>
+            <a:off x="6991350" y="1636295"/>
+            <a:ext cx="4179570" cy="4620126"/>
+          </a:xfrm>
+          <a:prstGeom prst="rect">
+            <a:avLst/>
+          </a:prstGeom>
+        </p:spPr>
+        <p:txBody>
+          <a:bodyPr vert="horz" lIns="91440" tIns="45720" rIns="91440" bIns="45720" rtlCol="0" anchor="b">
+            <a:noAutofit/>
+          </a:bodyPr>
+          <a:lstStyle>
+            <a:lvl1pPr algn="l" defTabSz="914400" rtl="0" eaLnBrk="1" latinLnBrk="0" hangingPunct="1">
+              <a:lnSpc>
+                <a:spcPct val="90000"/>
+              </a:lnSpc>
+              <a:spcBef>
+                <a:spcPct val="0"/>
+              </a:spcBef>
+              <a:buNone/>
+              <a:defRPr sz="3600" kern="1200" cap="all" spc="150" baseline="0">
+                <a:solidFill>
+                  <a:schemeClr val="tx1"/>
+                </a:solidFill>
+                <a:latin typeface="+mj-lt"/>
+                <a:ea typeface="+mj-ea"/>
+                <a:cs typeface="+mj-cs"/>
+              </a:defRPr>
+            </a:lvl1pPr>
+          </a:lstStyle>
+          <a:p>
+            <a:pPr marL="342900" indent="-342900">
+              <a:buFont typeface="Arial" panose="020B0604020202020204" pitchFamily="34" charset="0"/>
+              <a:buChar char="•"/>
+            </a:pPr>
+            <a:r>
+              <a:rPr lang="en-US" sz="2500" dirty="0"/>
+              <a:t>Layered structure</a:t>
+            </a:r>
+          </a:p>
+          <a:p>
+            <a:pPr marL="342900" indent="-342900">
+              <a:buFont typeface="Arial" panose="020B0604020202020204" pitchFamily="34" charset="0"/>
+              <a:buChar char="•"/>
+            </a:pPr>
+            <a:r>
+              <a:rPr lang="en-US" sz="2500" dirty="0"/>
+              <a:t>Immutable layers</a:t>
+            </a:r>
+          </a:p>
+          <a:p>
+            <a:pPr marL="342900" indent="-342900">
+              <a:buFont typeface="Arial" panose="020B0604020202020204" pitchFamily="34" charset="0"/>
+              <a:buChar char="•"/>
+            </a:pPr>
+            <a:r>
+              <a:rPr lang="en-US" sz="2500" dirty="0"/>
+              <a:t>Speed and efficiency</a:t>
+            </a:r>
+          </a:p>
+          <a:p>
+            <a:pPr marL="342900" indent="-342900">
+              <a:buFont typeface="Arial" panose="020B0604020202020204" pitchFamily="34" charset="0"/>
+              <a:buChar char="•"/>
+            </a:pPr>
+            <a:r>
+              <a:rPr lang="en-US" sz="2500" dirty="0"/>
+              <a:t>Writable container layer</a:t>
+            </a:r>
+            <a:endParaRPr lang="ka-GE" sz="2500" dirty="0"/>
+          </a:p>
+        </p:txBody>
+      </p:sp>
+    </p:spTree>
+    <p:extLst>
+      <p:ext uri="{BB962C8B-B14F-4D97-AF65-F5344CB8AC3E}">
+        <p14:creationId xmlns:p14="http://schemas.microsoft.com/office/powerpoint/2010/main" val="3306703411"/>
+      </p:ext>
+    </p:extLst>
+  </p:cSld>
+  <p:clrMapOvr>
+    <a:masterClrMapping/>
+  </p:clrMapOvr>
+</p:sld>
+</file>
+
+<file path=ppt/slides/slide15.xml><?xml version="1.0" encoding="utf-8"?>
+<p:sld xmlns:a="http://schemas.openxmlformats.org/drawingml/2006/main" xmlns:r="http://schemas.openxmlformats.org/officeDocument/2006/relationships" xmlns:p="http://schemas.openxmlformats.org/presentationml/2006/main">
+  <p:cSld>
+    <p:spTree>
+      <p:nvGrpSpPr>
+        <p:cNvPr id="1" name=""/>
+        <p:cNvGrpSpPr/>
+        <p:nvPr/>
+      </p:nvGrpSpPr>
+      <p:grpSpPr>
+        <a:xfrm>
+          <a:off x="0" y="0"/>
+          <a:ext cx="0" cy="0"/>
+          <a:chOff x="0" y="0"/>
+          <a:chExt cx="0" cy="0"/>
+        </a:xfrm>
+      </p:grpSpPr>
+      <p:sp>
+        <p:nvSpPr>
+          <p:cNvPr id="2" name="Title 1">
+            <a:extLst>
+              <a:ext uri="{FF2B5EF4-FFF2-40B4-BE49-F238E27FC236}">
+                <a16:creationId xmlns:a16="http://schemas.microsoft.com/office/drawing/2014/main" id="{47A04C61-8AFB-AC53-41C7-74DF38D511D2}"/>
+              </a:ext>
+            </a:extLst>
+          </p:cNvPr>
+          <p:cNvSpPr>
+            <a:spLocks noGrp="1"/>
+          </p:cNvSpPr>
+          <p:nvPr>
+            <p:ph type="ctrTitle"/>
+          </p:nvPr>
+        </p:nvSpPr>
+        <p:spPr/>
+        <p:txBody>
+          <a:bodyPr/>
+          <a:lstStyle/>
+          <a:p>
+            <a:r>
+              <a:rPr lang="en-US" dirty="0"/>
+              <a:t>Getting Started with Docker</a:t>
+            </a:r>
+            <a:br>
+              <a:rPr lang="en-US" dirty="0"/>
+            </a:br>
+            <a:endParaRPr lang="ka-GE" dirty="0"/>
+          </a:p>
+        </p:txBody>
+      </p:sp>
+    </p:spTree>
+    <p:extLst>
+      <p:ext uri="{BB962C8B-B14F-4D97-AF65-F5344CB8AC3E}">
+        <p14:creationId xmlns:p14="http://schemas.microsoft.com/office/powerpoint/2010/main" val="2508242228"/>
+      </p:ext>
+    </p:extLst>
+  </p:cSld>
+  <p:clrMapOvr>
+    <a:masterClrMapping/>
+  </p:clrMapOvr>
+</p:sld>
+</file>
+
+<file path=ppt/slides/slide16.xml><?xml version="1.0" encoding="utf-8"?>
+<p:sld xmlns:a="http://schemas.openxmlformats.org/drawingml/2006/main" xmlns:r="http://schemas.openxmlformats.org/officeDocument/2006/relationships" xmlns:p="http://schemas.openxmlformats.org/presentationml/2006/main">
+  <p:cSld>
+    <p:spTree>
+      <p:nvGrpSpPr>
+        <p:cNvPr id="1" name=""/>
+        <p:cNvGrpSpPr/>
+        <p:nvPr/>
+      </p:nvGrpSpPr>
+      <p:grpSpPr>
+        <a:xfrm>
+          <a:off x="0" y="0"/>
+          <a:ext cx="0" cy="0"/>
+          <a:chOff x="0" y="0"/>
+          <a:chExt cx="0" cy="0"/>
+        </a:xfrm>
+      </p:grpSpPr>
+      <p:sp>
+        <p:nvSpPr>
+          <p:cNvPr id="2" name="Title 1">
+            <a:extLst>
+              <a:ext uri="{FF2B5EF4-FFF2-40B4-BE49-F238E27FC236}">
+                <a16:creationId xmlns:a16="http://schemas.microsoft.com/office/drawing/2014/main" id="{D7FC70C2-D334-D7FA-1726-568EE42EE749}"/>
+              </a:ext>
+            </a:extLst>
+          </p:cNvPr>
+          <p:cNvSpPr>
+            <a:spLocks noGrp="1"/>
+          </p:cNvSpPr>
+          <p:nvPr>
+            <p:ph type="ctrTitle"/>
+          </p:nvPr>
+        </p:nvSpPr>
+        <p:spPr/>
+        <p:txBody>
+          <a:bodyPr/>
+          <a:lstStyle/>
+          <a:p>
+            <a:r>
+              <a:rPr lang="en-US" dirty="0"/>
+              <a:t>Conclusion and Q&amp;A</a:t>
+            </a:r>
+            <a:endParaRPr lang="ka-GE" dirty="0"/>
+          </a:p>
+        </p:txBody>
+      </p:sp>
+    </p:spTree>
+    <p:extLst>
+      <p:ext uri="{BB962C8B-B14F-4D97-AF65-F5344CB8AC3E}">
+        <p14:creationId xmlns:p14="http://schemas.microsoft.com/office/powerpoint/2010/main" val="997536960"/>
+      </p:ext>
+    </p:extLst>
+  </p:cSld>
+  <p:clrMapOvr>
+    <a:masterClrMapping/>
+  </p:clrMapOvr>
+</p:sld>
+</file>
+
+<file path=ppt/slides/slide17.xml><?xml version="1.0" encoding="utf-8"?>
+<p:sld xmlns:a="http://schemas.openxmlformats.org/drawingml/2006/main" xmlns:r="http://schemas.openxmlformats.org/officeDocument/2006/relationships" xmlns:p="http://schemas.openxmlformats.org/presentationml/2006/main">
+  <p:cSld>
+    <p:spTree>
+      <p:nvGrpSpPr>
+        <p:cNvPr id="1" name=""/>
+        <p:cNvGrpSpPr/>
+        <p:nvPr/>
+      </p:nvGrpSpPr>
+      <p:grpSpPr>
+        <a:xfrm>
+          <a:off x="0" y="0"/>
+          <a:ext cx="0" cy="0"/>
+          <a:chOff x="0" y="0"/>
+          <a:chExt cx="0" cy="0"/>
+        </a:xfrm>
+      </p:grpSpPr>
+      <p:sp>
+        <p:nvSpPr>
+          <p:cNvPr id="2" name="Title 1">
+            <a:extLst>
+              <a:ext uri="{FF2B5EF4-FFF2-40B4-BE49-F238E27FC236}">
                 <a16:creationId xmlns:a16="http://schemas.microsoft.com/office/drawing/2014/main" id="{8BDF1EDE-5423-435C-B149-87AB1BC22B83}"/>
               </a:ext>
             </a:extLst>
@@ -6690,7 +7635,7 @@
             <a:fld id="{A49DFD55-3C28-40EF-9E31-A92D2E4017FF}" type="slidenum">
               <a:rPr lang="en-US" smtClean="0"/>
               <a:pPr/>
-              <a:t>10</a:t>
+              <a:t>17</a:t>
             </a:fld>
             <a:endParaRPr lang="en-US" dirty="0"/>
           </a:p>
@@ -6857,62 +7802,43 @@
           <a:chExt cx="0" cy="0"/>
         </a:xfrm>
       </p:grpSpPr>
-      <p:pic>
-        <p:nvPicPr>
-          <p:cNvPr id="4098" name="Picture 2" descr="Deadly Docker: Why containers are a threat to cloud virtualization -  SiliconANGLE">
-            <a:extLst>
-              <a:ext uri="{FF2B5EF4-FFF2-40B4-BE49-F238E27FC236}">
-                <a16:creationId xmlns:a16="http://schemas.microsoft.com/office/drawing/2014/main" id="{2F059348-AAD9-7668-166D-6F2AED218B83}"/>
-              </a:ext>
-            </a:extLst>
-          </p:cNvPr>
-          <p:cNvPicPr>
-            <a:picLocks noChangeAspect="1" noChangeArrowheads="1"/>
-          </p:cNvPicPr>
-          <p:nvPr/>
-        </p:nvPicPr>
-        <p:blipFill>
-          <a:blip r:embed="rId2">
-            <a:extLst>
-              <a:ext uri="{28A0092B-C50C-407E-A947-70E740481C1C}">
-                <a14:useLocalDpi xmlns:a14="http://schemas.microsoft.com/office/drawing/2010/main" val="0"/>
-              </a:ext>
-            </a:extLst>
-          </a:blip>
-          <a:srcRect/>
-          <a:stretch>
-            <a:fillRect/>
-          </a:stretch>
-        </p:blipFill>
-        <p:spPr bwMode="auto">
-          <a:xfrm>
-            <a:off x="2357438" y="666750"/>
-            <a:ext cx="7477125" cy="5524500"/>
-          </a:xfrm>
-          <a:prstGeom prst="rect">
-            <a:avLst/>
-          </a:prstGeom>
-          <a:ln>
-            <a:noFill/>
-          </a:ln>
-          <a:effectLst>
-            <a:softEdge rad="112500"/>
-          </a:effectLst>
-          <a:extLst>
-            <a:ext uri="{909E8E84-426E-40DD-AFC4-6F175D3DCCD1}">
-              <a14:hiddenFill xmlns:a14="http://schemas.microsoft.com/office/drawing/2010/main">
-                <a:solidFill>
-                  <a:srgbClr val="FFFFFF"/>
-                </a:solidFill>
-              </a14:hiddenFill>
-            </a:ext>
-          </a:extLst>
-        </p:spPr>
-      </p:pic>
+      <p:sp>
+        <p:nvSpPr>
+          <p:cNvPr id="2" name="Title 1">
+            <a:extLst>
+              <a:ext uri="{FF2B5EF4-FFF2-40B4-BE49-F238E27FC236}">
+                <a16:creationId xmlns:a16="http://schemas.microsoft.com/office/drawing/2014/main" id="{B41D367F-14C7-CDAF-7777-CD61706715E0}"/>
+              </a:ext>
+            </a:extLst>
+          </p:cNvPr>
+          <p:cNvSpPr>
+            <a:spLocks noGrp="1"/>
+          </p:cNvSpPr>
+          <p:nvPr>
+            <p:ph type="ctrTitle"/>
+          </p:nvPr>
+        </p:nvSpPr>
+        <p:spPr/>
+        <p:txBody>
+          <a:bodyPr/>
+          <a:lstStyle/>
+          <a:p>
+            <a:r>
+              <a:rPr lang="en-US" dirty="0" err="1"/>
+              <a:t>Os</a:t>
+            </a:r>
+            <a:r>
+              <a:rPr lang="en-US" dirty="0"/>
+              <a:t>-level virtualization</a:t>
+            </a:r>
+            <a:endParaRPr lang="ka-GE" dirty="0"/>
+          </a:p>
+        </p:txBody>
+      </p:sp>
     </p:spTree>
     <p:extLst>
       <p:ext uri="{BB962C8B-B14F-4D97-AF65-F5344CB8AC3E}">
-        <p14:creationId xmlns:p14="http://schemas.microsoft.com/office/powerpoint/2010/main" val="4029208311"/>
+        <p14:creationId xmlns:p14="http://schemas.microsoft.com/office/powerpoint/2010/main" val="2757479009"/>
       </p:ext>
     </p:extLst>
   </p:cSld>
@@ -6939,37 +7865,12 @@
           <a:chExt cx="0" cy="0"/>
         </a:xfrm>
       </p:grpSpPr>
-      <p:sp>
-        <p:nvSpPr>
-          <p:cNvPr id="2" name="Title 1">
-            <a:extLst>
-              <a:ext uri="{FF2B5EF4-FFF2-40B4-BE49-F238E27FC236}">
-                <a16:creationId xmlns:a16="http://schemas.microsoft.com/office/drawing/2014/main" id="{7B2F7CF3-49C1-127E-6DF4-CC9F12D0D13C}"/>
-              </a:ext>
-            </a:extLst>
-          </p:cNvPr>
-          <p:cNvSpPr>
-            <a:spLocks noGrp="1"/>
-          </p:cNvSpPr>
-          <p:nvPr>
-            <p:ph type="ctrTitle"/>
-          </p:nvPr>
-        </p:nvSpPr>
-        <p:spPr/>
-        <p:txBody>
-          <a:bodyPr/>
-          <a:lstStyle/>
-          <a:p>
-            <a:endParaRPr lang="ka-GE"/>
-          </a:p>
-        </p:txBody>
-      </p:sp>
       <p:pic>
         <p:nvPicPr>
-          <p:cNvPr id="2050" name="Picture 2" descr="Diving into the Marvels of Docker: A Beginner's Guide to Docker Architecture  | by Aniket Sharma | Medium">
-            <a:extLst>
-              <a:ext uri="{FF2B5EF4-FFF2-40B4-BE49-F238E27FC236}">
-                <a16:creationId xmlns:a16="http://schemas.microsoft.com/office/drawing/2014/main" id="{8261274F-A5D5-9B67-EAE0-E53D1F1CFD5C}"/>
+          <p:cNvPr id="4098" name="Picture 2" descr="Deadly Docker: Why containers are a threat to cloud virtualization -  SiliconANGLE">
+            <a:extLst>
+              <a:ext uri="{FF2B5EF4-FFF2-40B4-BE49-F238E27FC236}">
+                <a16:creationId xmlns:a16="http://schemas.microsoft.com/office/drawing/2014/main" id="{2F059348-AAD9-7668-166D-6F2AED218B83}"/>
               </a:ext>
             </a:extLst>
           </p:cNvPr>
@@ -6993,8 +7894,8 @@
         </p:blipFill>
         <p:spPr bwMode="auto">
           <a:xfrm>
-            <a:off x="828675" y="228600"/>
-            <a:ext cx="10534650" cy="6400800"/>
+            <a:off x="2357438" y="666750"/>
+            <a:ext cx="7477125" cy="5524500"/>
           </a:xfrm>
           <a:prstGeom prst="rect">
             <a:avLst/>
@@ -7019,7 +7920,7 @@
     </p:spTree>
     <p:extLst>
       <p:ext uri="{BB962C8B-B14F-4D97-AF65-F5344CB8AC3E}">
-        <p14:creationId xmlns:p14="http://schemas.microsoft.com/office/powerpoint/2010/main" val="1833100217"/>
+        <p14:creationId xmlns:p14="http://schemas.microsoft.com/office/powerpoint/2010/main" val="4029208311"/>
       </p:ext>
     </p:extLst>
   </p:cSld>
@@ -7051,7 +7952,7 @@
           <p:cNvPr id="2" name="Title 1">
             <a:extLst>
               <a:ext uri="{FF2B5EF4-FFF2-40B4-BE49-F238E27FC236}">
-                <a16:creationId xmlns:a16="http://schemas.microsoft.com/office/drawing/2014/main" id="{818AFA5E-469B-2BFC-9D4E-BD1EC6E48CA0}"/>
+                <a16:creationId xmlns:a16="http://schemas.microsoft.com/office/drawing/2014/main" id="{F7924553-6274-C22F-1A73-FEC87AEC8290}"/>
               </a:ext>
             </a:extLst>
           </p:cNvPr>
@@ -7064,8 +7965,8 @@
         </p:nvSpPr>
         <p:spPr>
           <a:xfrm>
-            <a:off x="6096001" y="802105"/>
-            <a:ext cx="5425810" cy="1730771"/>
+            <a:off x="7007392" y="-1069066"/>
+            <a:ext cx="4179570" cy="3377354"/>
           </a:xfrm>
         </p:spPr>
         <p:txBody>
@@ -7074,88 +7975,18 @@
           <a:p>
             <a:r>
               <a:rPr lang="en-US" dirty="0"/>
-              <a:t>Understanding Docker Components</a:t>
-            </a:r>
-          </a:p>
-        </p:txBody>
-      </p:sp>
-      <p:cxnSp>
-        <p:nvCxnSpPr>
-          <p:cNvPr id="21" name="Straight Connector 20">
-            <a:extLst>
-              <a:ext uri="{FF2B5EF4-FFF2-40B4-BE49-F238E27FC236}">
-                <a16:creationId xmlns:a16="http://schemas.microsoft.com/office/drawing/2014/main" id="{944268F6-A361-9907-F87F-9C4377ECAE6D}"/>
-              </a:ext>
-              <a:ext uri="{C183D7F6-B498-43B3-948B-1728B52AA6E4}">
-                <adec:decorative xmlns:adec="http://schemas.microsoft.com/office/drawing/2017/decorative" val="1"/>
-              </a:ext>
-            </a:extLst>
-          </p:cNvPr>
-          <p:cNvCxnSpPr>
-            <a:cxnSpLocks/>
-          </p:cNvCxnSpPr>
-          <p:nvPr/>
-        </p:nvCxnSpPr>
-        <p:spPr>
-          <a:xfrm flipH="1" flipV="1">
-            <a:off x="0" y="254643"/>
-            <a:ext cx="6096000" cy="855762"/>
-          </a:xfrm>
-          <a:prstGeom prst="line">
-            <a:avLst/>
-          </a:prstGeom>
-          <a:ln>
-            <a:solidFill>
-              <a:schemeClr val="bg1"/>
-            </a:solidFill>
-          </a:ln>
-        </p:spPr>
-        <p:style>
-          <a:lnRef idx="1">
-            <a:schemeClr val="accent1"/>
-          </a:lnRef>
-          <a:fillRef idx="0">
-            <a:schemeClr val="accent1"/>
-          </a:fillRef>
-          <a:effectRef idx="0">
-            <a:schemeClr val="accent1"/>
-          </a:effectRef>
-          <a:fontRef idx="minor">
-            <a:schemeClr val="tx1"/>
-          </a:fontRef>
-        </p:style>
-      </p:cxnSp>
-      <p:pic>
-        <p:nvPicPr>
-          <p:cNvPr id="8" name="Picture Placeholder 7" descr="A blue whale with a container ship&#10;&#10;Description automatically generated">
-            <a:extLst>
-              <a:ext uri="{FF2B5EF4-FFF2-40B4-BE49-F238E27FC236}">
-                <a16:creationId xmlns:a16="http://schemas.microsoft.com/office/drawing/2014/main" id="{2BD069B9-64F9-7F1C-05F4-B61A1B341E7C}"/>
-              </a:ext>
-            </a:extLst>
-          </p:cNvPr>
-          <p:cNvPicPr>
-            <a:picLocks noGrp="1" noChangeAspect="1"/>
-          </p:cNvPicPr>
-          <p:nvPr>
-            <p:ph type="pic" sz="quarter" idx="10"/>
-          </p:nvPr>
-        </p:nvPicPr>
-        <p:blipFill>
-          <a:blip r:embed="rId3"/>
-          <a:srcRect l="18099" r="18099"/>
-          <a:stretch>
-            <a:fillRect/>
-          </a:stretch>
-        </p:blipFill>
-        <p:spPr/>
-      </p:pic>
-      <p:sp>
-        <p:nvSpPr>
-          <p:cNvPr id="9" name="Title 1">
-            <a:extLst>
-              <a:ext uri="{FF2B5EF4-FFF2-40B4-BE49-F238E27FC236}">
-                <a16:creationId xmlns:a16="http://schemas.microsoft.com/office/drawing/2014/main" id="{3DD1DC98-D20D-58F1-130E-1B4379C1DA0A}"/>
+              <a:t>Docker use cases</a:t>
+            </a:r>
+            <a:endParaRPr lang="ka-GE" dirty="0"/>
+          </a:p>
+        </p:txBody>
+      </p:sp>
+      <p:sp>
+        <p:nvSpPr>
+          <p:cNvPr id="3" name="Title 1">
+            <a:extLst>
+              <a:ext uri="{FF2B5EF4-FFF2-40B4-BE49-F238E27FC236}">
+                <a16:creationId xmlns:a16="http://schemas.microsoft.com/office/drawing/2014/main" id="{562769EB-CA49-3B4C-B287-DED137567E1D}"/>
               </a:ext>
             </a:extLst>
           </p:cNvPr>
@@ -7166,8 +7997,8 @@
         </p:nvSpPr>
         <p:spPr>
           <a:xfrm>
-            <a:off x="6959266" y="2532876"/>
-            <a:ext cx="4179570" cy="2376008"/>
+            <a:off x="7007392" y="2532387"/>
+            <a:ext cx="4179570" cy="3377354"/>
           </a:xfrm>
           <a:prstGeom prst="rect">
             <a:avLst/>
@@ -7188,7 +8019,7 @@
               <a:buNone/>
               <a:defRPr sz="3600" kern="1200" cap="all" spc="150" baseline="0">
                 <a:solidFill>
-                  <a:schemeClr val="bg1"/>
+                  <a:schemeClr val="tx1"/>
                 </a:solidFill>
                 <a:latin typeface="+mj-lt"/>
                 <a:ea typeface="+mj-ea"/>
@@ -7197,96 +8028,65 @@
             </a:lvl1pPr>
           </a:lstStyle>
           <a:p>
-            <a:pPr marL="571500" indent="-571500">
+            <a:pPr marL="457200" indent="-457200">
               <a:buFont typeface="Arial" panose="020B0604020202020204" pitchFamily="34" charset="0"/>
               <a:buChar char="•"/>
             </a:pPr>
-            <a:endParaRPr lang="en-US" dirty="0"/>
-          </a:p>
-        </p:txBody>
-      </p:sp>
-      <p:sp>
-        <p:nvSpPr>
-          <p:cNvPr id="10" name="Title 1">
-            <a:extLst>
-              <a:ext uri="{FF2B5EF4-FFF2-40B4-BE49-F238E27FC236}">
-                <a16:creationId xmlns:a16="http://schemas.microsoft.com/office/drawing/2014/main" id="{C37E1BE3-551A-A9AC-CAF1-F493CDF40D7E}"/>
-              </a:ext>
-            </a:extLst>
-          </p:cNvPr>
-          <p:cNvSpPr txBox="1">
-            <a:spLocks/>
-          </p:cNvSpPr>
-          <p:nvPr/>
-        </p:nvSpPr>
-        <p:spPr>
-          <a:xfrm>
-            <a:off x="6096001" y="3218218"/>
-            <a:ext cx="5425810" cy="1730771"/>
-          </a:xfrm>
-          <a:prstGeom prst="rect">
-            <a:avLst/>
-          </a:prstGeom>
-        </p:spPr>
-        <p:txBody>
-          <a:bodyPr vert="horz" lIns="91440" tIns="45720" rIns="91440" bIns="45720" rtlCol="0" anchor="b">
-            <a:noAutofit/>
-          </a:bodyPr>
-          <a:lstStyle>
-            <a:lvl1pPr algn="l" defTabSz="914400" rtl="0" eaLnBrk="1" latinLnBrk="0" hangingPunct="1">
-              <a:lnSpc>
-                <a:spcPct val="90000"/>
-              </a:lnSpc>
-              <a:spcBef>
-                <a:spcPct val="0"/>
-              </a:spcBef>
-              <a:buNone/>
-              <a:defRPr sz="3600" kern="1200" cap="all" spc="150" baseline="0">
-                <a:solidFill>
-                  <a:schemeClr val="bg1"/>
-                </a:solidFill>
-                <a:latin typeface="+mj-lt"/>
-                <a:ea typeface="+mj-ea"/>
-                <a:cs typeface="+mj-cs"/>
-              </a:defRPr>
-            </a:lvl1pPr>
-          </a:lstStyle>
-          <a:p>
-            <a:pPr marL="571500" indent="-571500">
+            <a:r>
+              <a:rPr lang="en-US" sz="2600" dirty="0"/>
+              <a:t>Continuous deployment</a:t>
+            </a:r>
+          </a:p>
+          <a:p>
+            <a:pPr marL="457200" indent="-457200">
               <a:buFont typeface="Arial" panose="020B0604020202020204" pitchFamily="34" charset="0"/>
               <a:buChar char="•"/>
             </a:pPr>
             <a:r>
               <a:rPr lang="en-US" sz="2600" dirty="0"/>
-              <a:t>Docker images</a:t>
-            </a:r>
-          </a:p>
-          <a:p>
-            <a:pPr marL="571500" indent="-571500">
+              <a:t>Microservices</a:t>
+            </a:r>
+          </a:p>
+          <a:p>
+            <a:pPr marL="457200" indent="-457200">
               <a:buFont typeface="Arial" panose="020B0604020202020204" pitchFamily="34" charset="0"/>
               <a:buChar char="•"/>
             </a:pPr>
             <a:r>
               <a:rPr lang="en-US" sz="2600" dirty="0"/>
-              <a:t>Docker containers</a:t>
-            </a:r>
-          </a:p>
-          <a:p>
-            <a:pPr marL="571500" indent="-571500">
+              <a:t>Legacy app migration</a:t>
+            </a:r>
+          </a:p>
+          <a:p>
+            <a:pPr marL="457200" indent="-457200">
               <a:buFont typeface="Arial" panose="020B0604020202020204" pitchFamily="34" charset="0"/>
               <a:buChar char="•"/>
             </a:pPr>
             <a:r>
               <a:rPr lang="en-US" sz="2600" dirty="0"/>
-              <a:t>Docker hub</a:t>
-            </a:r>
+              <a:t>Multi cloud apps</a:t>
+            </a:r>
+          </a:p>
+          <a:p>
+            <a:pPr marL="457200" indent="-457200">
+              <a:buFont typeface="Arial" panose="020B0604020202020204" pitchFamily="34" charset="0"/>
+              <a:buChar char="•"/>
+            </a:pPr>
+            <a:endParaRPr lang="en-US" sz="2600" dirty="0"/>
+          </a:p>
+          <a:p>
+            <a:pPr marL="457200" indent="-457200">
+              <a:buFont typeface="Arial" panose="020B0604020202020204" pitchFamily="34" charset="0"/>
+              <a:buChar char="•"/>
+            </a:pPr>
+            <a:endParaRPr lang="ka-GE" sz="2600" dirty="0"/>
           </a:p>
         </p:txBody>
       </p:sp>
     </p:spTree>
     <p:extLst>
       <p:ext uri="{BB962C8B-B14F-4D97-AF65-F5344CB8AC3E}">
-        <p14:creationId xmlns:p14="http://schemas.microsoft.com/office/powerpoint/2010/main" val="2241459136"/>
+        <p14:creationId xmlns:p14="http://schemas.microsoft.com/office/powerpoint/2010/main" val="881683262"/>
       </p:ext>
     </p:extLst>
   </p:cSld>
@@ -7318,7 +8118,7 @@
           <p:cNvPr id="2" name="Title 1">
             <a:extLst>
               <a:ext uri="{FF2B5EF4-FFF2-40B4-BE49-F238E27FC236}">
-                <a16:creationId xmlns:a16="http://schemas.microsoft.com/office/drawing/2014/main" id="{0A32731C-311B-46F7-A865-6C3AF6B09A47}"/>
+                <a16:creationId xmlns:a16="http://schemas.microsoft.com/office/drawing/2014/main" id="{8EA3D449-2FBF-E721-8874-BC2C386FB271}"/>
               </a:ext>
             </a:extLst>
           </p:cNvPr>
@@ -7326,108 +8126,26 @@
             <a:spLocks noGrp="1"/>
           </p:cNvSpPr>
           <p:nvPr>
-            <p:ph type="title"/>
-          </p:nvPr>
-        </p:nvSpPr>
-        <p:spPr>
-          <a:xfrm>
-            <a:off x="1322318" y="268360"/>
-            <a:ext cx="7288282" cy="2121177"/>
-          </a:xfrm>
-        </p:spPr>
+            <p:ph type="ctrTitle"/>
+          </p:nvPr>
+        </p:nvSpPr>
+        <p:spPr/>
         <p:txBody>
           <a:bodyPr/>
           <a:lstStyle/>
           <a:p>
             <a:r>
               <a:rPr lang="en-US" dirty="0"/>
-              <a:t>One Command Setup</a:t>
-            </a:r>
-          </a:p>
-        </p:txBody>
-      </p:sp>
-      <p:sp>
-        <p:nvSpPr>
-          <p:cNvPr id="3" name="Text Placeholder 2">
-            <a:extLst>
-              <a:ext uri="{FF2B5EF4-FFF2-40B4-BE49-F238E27FC236}">
-                <a16:creationId xmlns:a16="http://schemas.microsoft.com/office/drawing/2014/main" id="{9D5232F9-FD00-464A-9F17-619C91AEF8F3}"/>
-              </a:ext>
-            </a:extLst>
-          </p:cNvPr>
-          <p:cNvSpPr>
-            <a:spLocks noGrp="1"/>
-          </p:cNvSpPr>
-          <p:nvPr>
-            <p:ph sz="half" idx="2"/>
-          </p:nvPr>
-        </p:nvSpPr>
-        <p:spPr>
-          <a:xfrm>
-            <a:off x="1322388" y="2763078"/>
-            <a:ext cx="7288212" cy="3407051"/>
-          </a:xfrm>
-        </p:spPr>
-        <p:txBody>
-          <a:bodyPr>
-            <a:normAutofit/>
-          </a:bodyPr>
-          <a:lstStyle/>
-          <a:p>
-            <a:pPr lvl="1"/>
-            <a:r>
-              <a:rPr lang="en-US" dirty="0"/>
-              <a:t>How to set up SQL Server, Redis, RabbitMQ, etc., using Docker</a:t>
-            </a:r>
-          </a:p>
-          <a:p>
-            <a:pPr lvl="1"/>
-            <a:r>
-              <a:rPr lang="en-US" dirty="0"/>
-              <a:t>Docker file example</a:t>
-            </a:r>
-          </a:p>
-        </p:txBody>
-      </p:sp>
-      <p:sp>
-        <p:nvSpPr>
-          <p:cNvPr id="14" name="Slide Number Placeholder 5">
-            <a:extLst>
-              <a:ext uri="{FF2B5EF4-FFF2-40B4-BE49-F238E27FC236}">
-                <a16:creationId xmlns:a16="http://schemas.microsoft.com/office/drawing/2014/main" id="{ECE635A2-70B8-3EAB-6A18-952B02EBAA1E}"/>
-              </a:ext>
-            </a:extLst>
-          </p:cNvPr>
-          <p:cNvSpPr>
-            <a:spLocks noGrp="1"/>
-          </p:cNvSpPr>
-          <p:nvPr>
-            <p:ph type="sldNum" sz="quarter" idx="12"/>
-          </p:nvPr>
-        </p:nvSpPr>
-        <p:spPr>
-          <a:xfrm>
-            <a:off x="10373350" y="6356349"/>
-            <a:ext cx="987552" cy="365125"/>
-          </a:xfrm>
-        </p:spPr>
-        <p:txBody>
-          <a:bodyPr/>
-          <a:lstStyle/>
-          <a:p>
-            <a:fld id="{A49DFD55-3C28-40EF-9E31-A92D2E4017FF}" type="slidenum">
-              <a:rPr lang="en-US" smtClean="0"/>
-              <a:pPr/>
-              <a:t>6</a:t>
-            </a:fld>
-            <a:endParaRPr lang="en-US" dirty="0"/>
+              <a:t>No more “works on my machine”</a:t>
+            </a:r>
+            <a:endParaRPr lang="ka-GE" dirty="0"/>
           </a:p>
         </p:txBody>
       </p:sp>
     </p:spTree>
     <p:extLst>
       <p:ext uri="{BB962C8B-B14F-4D97-AF65-F5344CB8AC3E}">
-        <p14:creationId xmlns:p14="http://schemas.microsoft.com/office/powerpoint/2010/main" val="3571516367"/>
+        <p14:creationId xmlns:p14="http://schemas.microsoft.com/office/powerpoint/2010/main" val="1851367259"/>
       </p:ext>
     </p:extLst>
   </p:cSld>
@@ -7459,7 +8177,7 @@
           <p:cNvPr id="2" name="Title 1">
             <a:extLst>
               <a:ext uri="{FF2B5EF4-FFF2-40B4-BE49-F238E27FC236}">
-                <a16:creationId xmlns:a16="http://schemas.microsoft.com/office/drawing/2014/main" id="{566C97BE-403B-122E-90D1-2788978A0B6F}"/>
+                <a16:creationId xmlns:a16="http://schemas.microsoft.com/office/drawing/2014/main" id="{818AFA5E-469B-2BFC-9D4E-BD1EC6E48CA0}"/>
               </a:ext>
             </a:extLst>
           </p:cNvPr>
@@ -7472,8 +8190,8 @@
         </p:nvSpPr>
         <p:spPr>
           <a:xfrm>
-            <a:off x="6879055" y="753979"/>
-            <a:ext cx="4179570" cy="1474097"/>
+            <a:off x="6096001" y="802105"/>
+            <a:ext cx="5425810" cy="1730771"/>
           </a:xfrm>
         </p:spPr>
         <p:txBody>
@@ -7482,17 +8200,88 @@
           <a:p>
             <a:r>
               <a:rPr lang="en-US" dirty="0"/>
-              <a:t>Benefits of Using Docker</a:t>
-            </a:r>
-          </a:p>
-        </p:txBody>
-      </p:sp>
-      <p:sp>
-        <p:nvSpPr>
-          <p:cNvPr id="3" name="Title 1">
-            <a:extLst>
-              <a:ext uri="{FF2B5EF4-FFF2-40B4-BE49-F238E27FC236}">
-                <a16:creationId xmlns:a16="http://schemas.microsoft.com/office/drawing/2014/main" id="{D92BC9B2-8231-7EBD-BF67-ED9B73A00501}"/>
+              <a:t>Understanding Docker Components</a:t>
+            </a:r>
+          </a:p>
+        </p:txBody>
+      </p:sp>
+      <p:cxnSp>
+        <p:nvCxnSpPr>
+          <p:cNvPr id="21" name="Straight Connector 20">
+            <a:extLst>
+              <a:ext uri="{FF2B5EF4-FFF2-40B4-BE49-F238E27FC236}">
+                <a16:creationId xmlns:a16="http://schemas.microsoft.com/office/drawing/2014/main" id="{944268F6-A361-9907-F87F-9C4377ECAE6D}"/>
+              </a:ext>
+              <a:ext uri="{C183D7F6-B498-43B3-948B-1728B52AA6E4}">
+                <adec:decorative xmlns:adec="http://schemas.microsoft.com/office/drawing/2017/decorative" val="1"/>
+              </a:ext>
+            </a:extLst>
+          </p:cNvPr>
+          <p:cNvCxnSpPr>
+            <a:cxnSpLocks/>
+          </p:cNvCxnSpPr>
+          <p:nvPr/>
+        </p:nvCxnSpPr>
+        <p:spPr>
+          <a:xfrm flipH="1" flipV="1">
+            <a:off x="0" y="254643"/>
+            <a:ext cx="6096000" cy="855762"/>
+          </a:xfrm>
+          <a:prstGeom prst="line">
+            <a:avLst/>
+          </a:prstGeom>
+          <a:ln>
+            <a:solidFill>
+              <a:schemeClr val="bg1"/>
+            </a:solidFill>
+          </a:ln>
+        </p:spPr>
+        <p:style>
+          <a:lnRef idx="1">
+            <a:schemeClr val="accent1"/>
+          </a:lnRef>
+          <a:fillRef idx="0">
+            <a:schemeClr val="accent1"/>
+          </a:fillRef>
+          <a:effectRef idx="0">
+            <a:schemeClr val="accent1"/>
+          </a:effectRef>
+          <a:fontRef idx="minor">
+            <a:schemeClr val="tx1"/>
+          </a:fontRef>
+        </p:style>
+      </p:cxnSp>
+      <p:pic>
+        <p:nvPicPr>
+          <p:cNvPr id="8" name="Picture Placeholder 7" descr="A blue whale with a container ship&#10;&#10;Description automatically generated">
+            <a:extLst>
+              <a:ext uri="{FF2B5EF4-FFF2-40B4-BE49-F238E27FC236}">
+                <a16:creationId xmlns:a16="http://schemas.microsoft.com/office/drawing/2014/main" id="{2BD069B9-64F9-7F1C-05F4-B61A1B341E7C}"/>
+              </a:ext>
+            </a:extLst>
+          </p:cNvPr>
+          <p:cNvPicPr>
+            <a:picLocks noGrp="1" noChangeAspect="1"/>
+          </p:cNvPicPr>
+          <p:nvPr>
+            <p:ph type="pic" sz="quarter" idx="10"/>
+          </p:nvPr>
+        </p:nvPicPr>
+        <p:blipFill>
+          <a:blip r:embed="rId3"/>
+          <a:srcRect l="18099" r="18099"/>
+          <a:stretch>
+            <a:fillRect/>
+          </a:stretch>
+        </p:blipFill>
+        <p:spPr/>
+      </p:pic>
+      <p:sp>
+        <p:nvSpPr>
+          <p:cNvPr id="9" name="Title 1">
+            <a:extLst>
+              <a:ext uri="{FF2B5EF4-FFF2-40B4-BE49-F238E27FC236}">
+                <a16:creationId xmlns:a16="http://schemas.microsoft.com/office/drawing/2014/main" id="{3DD1DC98-D20D-58F1-130E-1B4379C1DA0A}"/>
               </a:ext>
             </a:extLst>
           </p:cNvPr>
@@ -7503,8 +8292,8 @@
         </p:nvSpPr>
         <p:spPr>
           <a:xfrm>
-            <a:off x="6879055" y="2967789"/>
-            <a:ext cx="4179570" cy="2223609"/>
+            <a:off x="6959266" y="2532876"/>
+            <a:ext cx="4179570" cy="2376008"/>
           </a:xfrm>
           <a:prstGeom prst="rect">
             <a:avLst/>
@@ -7538,29 +8327,105 @@
               <a:buFont typeface="Arial" panose="020B0604020202020204" pitchFamily="34" charset="0"/>
               <a:buChar char="•"/>
             </a:pPr>
-            <a:r>
-              <a:rPr lang="en-US" sz="2600" dirty="0"/>
-              <a:t>Isolation of environment</a:t>
-            </a:r>
-          </a:p>
+            <a:endParaRPr lang="en-US" dirty="0"/>
+          </a:p>
+        </p:txBody>
+      </p:sp>
+      <p:sp>
+        <p:nvSpPr>
+          <p:cNvPr id="10" name="Title 1">
+            <a:extLst>
+              <a:ext uri="{FF2B5EF4-FFF2-40B4-BE49-F238E27FC236}">
+                <a16:creationId xmlns:a16="http://schemas.microsoft.com/office/drawing/2014/main" id="{C37E1BE3-551A-A9AC-CAF1-F493CDF40D7E}"/>
+              </a:ext>
+            </a:extLst>
+          </p:cNvPr>
+          <p:cNvSpPr txBox="1">
+            <a:spLocks/>
+          </p:cNvSpPr>
+          <p:nvPr/>
+        </p:nvSpPr>
+        <p:spPr>
+          <a:xfrm>
+            <a:off x="6096001" y="3218218"/>
+            <a:ext cx="5425810" cy="2605066"/>
+          </a:xfrm>
+          <a:prstGeom prst="rect">
+            <a:avLst/>
+          </a:prstGeom>
+        </p:spPr>
+        <p:txBody>
+          <a:bodyPr vert="horz" lIns="91440" tIns="45720" rIns="91440" bIns="45720" rtlCol="0" anchor="b">
+            <a:noAutofit/>
+          </a:bodyPr>
+          <a:lstStyle>
+            <a:lvl1pPr algn="l" defTabSz="914400" rtl="0" eaLnBrk="1" latinLnBrk="0" hangingPunct="1">
+              <a:lnSpc>
+                <a:spcPct val="90000"/>
+              </a:lnSpc>
+              <a:spcBef>
+                <a:spcPct val="0"/>
+              </a:spcBef>
+              <a:buNone/>
+              <a:defRPr sz="3600" kern="1200" cap="all" spc="150" baseline="0">
+                <a:solidFill>
+                  <a:schemeClr val="bg1"/>
+                </a:solidFill>
+                <a:latin typeface="+mj-lt"/>
+                <a:ea typeface="+mj-ea"/>
+                <a:cs typeface="+mj-cs"/>
+              </a:defRPr>
+            </a:lvl1pPr>
+          </a:lstStyle>
           <a:p>
             <a:pPr marL="571500" indent="-571500">
               <a:buFont typeface="Arial" panose="020B0604020202020204" pitchFamily="34" charset="0"/>
               <a:buChar char="•"/>
             </a:pPr>
-            <a:r>
-              <a:rPr lang="en-US" sz="2600" dirty="0"/>
-              <a:t>Quick setup and teardown</a:t>
-            </a:r>
+            <a:endParaRPr lang="en-US" sz="2600" dirty="0"/>
           </a:p>
           <a:p>
             <a:pPr marL="571500" indent="-571500">
               <a:buFont typeface="Arial" panose="020B0604020202020204" pitchFamily="34" charset="0"/>
               <a:buChar char="•"/>
             </a:pPr>
+            <a:endParaRPr lang="en-US" sz="2600" dirty="0"/>
+          </a:p>
+          <a:p>
+            <a:pPr marL="571500" indent="-571500">
+              <a:buFont typeface="Arial" panose="020B0604020202020204" pitchFamily="34" charset="0"/>
+              <a:buChar char="•"/>
+            </a:pPr>
+            <a:endParaRPr lang="en-US" sz="2600" dirty="0"/>
+          </a:p>
+          <a:p>
+            <a:pPr marL="571500" indent="-571500">
+              <a:buFont typeface="Arial" panose="020B0604020202020204" pitchFamily="34" charset="0"/>
+              <a:buChar char="•"/>
+            </a:pPr>
             <a:r>
               <a:rPr lang="en-US" sz="2600" dirty="0"/>
-              <a:t>Resource efficiency</a:t>
+              <a:t>Docker engine</a:t>
+            </a:r>
+          </a:p>
+          <a:p>
+            <a:pPr marL="571500" indent="-571500">
+              <a:buFont typeface="Arial" panose="020B0604020202020204" pitchFamily="34" charset="0"/>
+              <a:buChar char="•"/>
+            </a:pPr>
+            <a:r>
+              <a:rPr lang="en-US" sz="2600" dirty="0"/>
+              <a:t>Docker hub</a:t>
+            </a:r>
+          </a:p>
+          <a:p>
+            <a:pPr marL="571500" indent="-571500">
+              <a:buFont typeface="Arial" panose="020B0604020202020204" pitchFamily="34" charset="0"/>
+              <a:buChar char="•"/>
+            </a:pPr>
+            <a:r>
+              <a:rPr lang="en-US" sz="2600" dirty="0"/>
+              <a:t>Trusted registry</a:t>
             </a:r>
           </a:p>
         </p:txBody>
@@ -7568,7 +8433,7 @@
     </p:spTree>
     <p:extLst>
       <p:ext uri="{BB962C8B-B14F-4D97-AF65-F5344CB8AC3E}">
-        <p14:creationId xmlns:p14="http://schemas.microsoft.com/office/powerpoint/2010/main" val="334696707"/>
+        <p14:creationId xmlns:p14="http://schemas.microsoft.com/office/powerpoint/2010/main" val="3897842064"/>
       </p:ext>
     </p:extLst>
   </p:cSld>
@@ -7600,7 +8465,7 @@
           <p:cNvPr id="2" name="Title 1">
             <a:extLst>
               <a:ext uri="{FF2B5EF4-FFF2-40B4-BE49-F238E27FC236}">
-                <a16:creationId xmlns:a16="http://schemas.microsoft.com/office/drawing/2014/main" id="{47A04C61-8AFB-AC53-41C7-74DF38D511D2}"/>
+                <a16:creationId xmlns:a16="http://schemas.microsoft.com/office/drawing/2014/main" id="{7B2F7CF3-49C1-127E-6DF4-CC9F12D0D13C}"/>
               </a:ext>
             </a:extLst>
           </p:cNvPr>
@@ -7616,21 +8481,66 @@
           <a:bodyPr/>
           <a:lstStyle/>
           <a:p>
-            <a:r>
-              <a:rPr lang="en-US" dirty="0"/>
-              <a:t>Getting Started with Docker</a:t>
-            </a:r>
-            <a:br>
-              <a:rPr lang="en-US" dirty="0"/>
-            </a:br>
-            <a:endParaRPr lang="ka-GE" dirty="0"/>
-          </a:p>
-        </p:txBody>
-      </p:sp>
+            <a:endParaRPr lang="ka-GE"/>
+          </a:p>
+        </p:txBody>
+      </p:sp>
+      <p:pic>
+        <p:nvPicPr>
+          <p:cNvPr id="2050" name="Picture 2" descr="Diving into the Marvels of Docker: A Beginner's Guide to Docker Architecture  | by Aniket Sharma | Medium">
+            <a:extLst>
+              <a:ext uri="{FF2B5EF4-FFF2-40B4-BE49-F238E27FC236}">
+                <a16:creationId xmlns:a16="http://schemas.microsoft.com/office/drawing/2014/main" id="{8261274F-A5D5-9B67-EAE0-E53D1F1CFD5C}"/>
+              </a:ext>
+            </a:extLst>
+          </p:cNvPr>
+          <p:cNvPicPr>
+            <a:picLocks noChangeAspect="1" noChangeArrowheads="1"/>
+          </p:cNvPicPr>
+          <p:nvPr/>
+        </p:nvPicPr>
+        <p:blipFill>
+          <a:blip r:embed="rId2">
+            <a:extLst>
+              <a:ext uri="{28A0092B-C50C-407E-A947-70E740481C1C}">
+                <a14:useLocalDpi xmlns:a14="http://schemas.microsoft.com/office/drawing/2010/main" val="0"/>
+              </a:ext>
+            </a:extLst>
+          </a:blip>
+          <a:srcRect/>
+          <a:stretch>
+            <a:fillRect/>
+          </a:stretch>
+        </p:blipFill>
+        <p:spPr bwMode="auto">
+          <a:xfrm>
+            <a:off x="828675" y="228600"/>
+            <a:ext cx="10534650" cy="6400800"/>
+          </a:xfrm>
+          <a:prstGeom prst="rect">
+            <a:avLst/>
+          </a:prstGeom>
+          <a:ln>
+            <a:noFill/>
+          </a:ln>
+          <a:effectLst>
+            <a:softEdge rad="112500"/>
+          </a:effectLst>
+          <a:extLst>
+            <a:ext uri="{909E8E84-426E-40DD-AFC4-6F175D3DCCD1}">
+              <a14:hiddenFill xmlns:a14="http://schemas.microsoft.com/office/drawing/2010/main">
+                <a:solidFill>
+                  <a:srgbClr val="FFFFFF"/>
+                </a:solidFill>
+              </a14:hiddenFill>
+            </a:ext>
+          </a:extLst>
+        </p:spPr>
+      </p:pic>
     </p:spTree>
     <p:extLst>
       <p:ext uri="{BB962C8B-B14F-4D97-AF65-F5344CB8AC3E}">
-        <p14:creationId xmlns:p14="http://schemas.microsoft.com/office/powerpoint/2010/main" val="2508242228"/>
+        <p14:creationId xmlns:p14="http://schemas.microsoft.com/office/powerpoint/2010/main" val="1833100217"/>
       </p:ext>
     </p:extLst>
   </p:cSld>
@@ -7662,7 +8572,7 @@
           <p:cNvPr id="2" name="Title 1">
             <a:extLst>
               <a:ext uri="{FF2B5EF4-FFF2-40B4-BE49-F238E27FC236}">
-                <a16:creationId xmlns:a16="http://schemas.microsoft.com/office/drawing/2014/main" id="{D7FC70C2-D334-D7FA-1726-568EE42EE749}"/>
+                <a16:creationId xmlns:a16="http://schemas.microsoft.com/office/drawing/2014/main" id="{818AFA5E-469B-2BFC-9D4E-BD1EC6E48CA0}"/>
               </a:ext>
             </a:extLst>
           </p:cNvPr>
@@ -7673,23 +8583,242 @@
             <p:ph type="ctrTitle"/>
           </p:nvPr>
         </p:nvSpPr>
-        <p:spPr/>
+        <p:spPr>
+          <a:xfrm>
+            <a:off x="6096001" y="802105"/>
+            <a:ext cx="5425810" cy="1730771"/>
+          </a:xfrm>
+        </p:spPr>
         <p:txBody>
           <a:bodyPr/>
           <a:lstStyle/>
           <a:p>
             <a:r>
               <a:rPr lang="en-US" dirty="0"/>
-              <a:t>Conclusion and Q&amp;A</a:t>
-            </a:r>
-            <a:endParaRPr lang="ka-GE" dirty="0"/>
+              <a:t>Understanding Docker Components</a:t>
+            </a:r>
+          </a:p>
+        </p:txBody>
+      </p:sp>
+      <p:cxnSp>
+        <p:nvCxnSpPr>
+          <p:cNvPr id="21" name="Straight Connector 20">
+            <a:extLst>
+              <a:ext uri="{FF2B5EF4-FFF2-40B4-BE49-F238E27FC236}">
+                <a16:creationId xmlns:a16="http://schemas.microsoft.com/office/drawing/2014/main" id="{944268F6-A361-9907-F87F-9C4377ECAE6D}"/>
+              </a:ext>
+              <a:ext uri="{C183D7F6-B498-43B3-948B-1728B52AA6E4}">
+                <adec:decorative xmlns:adec="http://schemas.microsoft.com/office/drawing/2017/decorative" val="1"/>
+              </a:ext>
+            </a:extLst>
+          </p:cNvPr>
+          <p:cNvCxnSpPr>
+            <a:cxnSpLocks/>
+          </p:cNvCxnSpPr>
+          <p:nvPr/>
+        </p:nvCxnSpPr>
+        <p:spPr>
+          <a:xfrm flipH="1" flipV="1">
+            <a:off x="0" y="254643"/>
+            <a:ext cx="6096000" cy="855762"/>
+          </a:xfrm>
+          <a:prstGeom prst="line">
+            <a:avLst/>
+          </a:prstGeom>
+          <a:ln>
+            <a:solidFill>
+              <a:schemeClr val="bg1"/>
+            </a:solidFill>
+          </a:ln>
+        </p:spPr>
+        <p:style>
+          <a:lnRef idx="1">
+            <a:schemeClr val="accent1"/>
+          </a:lnRef>
+          <a:fillRef idx="0">
+            <a:schemeClr val="accent1"/>
+          </a:fillRef>
+          <a:effectRef idx="0">
+            <a:schemeClr val="accent1"/>
+          </a:effectRef>
+          <a:fontRef idx="minor">
+            <a:schemeClr val="tx1"/>
+          </a:fontRef>
+        </p:style>
+      </p:cxnSp>
+      <p:pic>
+        <p:nvPicPr>
+          <p:cNvPr id="8" name="Picture Placeholder 7" descr="A blue whale with a container ship&#10;&#10;Description automatically generated">
+            <a:extLst>
+              <a:ext uri="{FF2B5EF4-FFF2-40B4-BE49-F238E27FC236}">
+                <a16:creationId xmlns:a16="http://schemas.microsoft.com/office/drawing/2014/main" id="{2BD069B9-64F9-7F1C-05F4-B61A1B341E7C}"/>
+              </a:ext>
+            </a:extLst>
+          </p:cNvPr>
+          <p:cNvPicPr>
+            <a:picLocks noGrp="1" noChangeAspect="1"/>
+          </p:cNvPicPr>
+          <p:nvPr>
+            <p:ph type="pic" sz="quarter" idx="10"/>
+          </p:nvPr>
+        </p:nvPicPr>
+        <p:blipFill>
+          <a:blip r:embed="rId3"/>
+          <a:srcRect l="18099" r="18099"/>
+          <a:stretch>
+            <a:fillRect/>
+          </a:stretch>
+        </p:blipFill>
+        <p:spPr/>
+      </p:pic>
+      <p:sp>
+        <p:nvSpPr>
+          <p:cNvPr id="9" name="Title 1">
+            <a:extLst>
+              <a:ext uri="{FF2B5EF4-FFF2-40B4-BE49-F238E27FC236}">
+                <a16:creationId xmlns:a16="http://schemas.microsoft.com/office/drawing/2014/main" id="{3DD1DC98-D20D-58F1-130E-1B4379C1DA0A}"/>
+              </a:ext>
+            </a:extLst>
+          </p:cNvPr>
+          <p:cNvSpPr txBox="1">
+            <a:spLocks/>
+          </p:cNvSpPr>
+          <p:nvPr/>
+        </p:nvSpPr>
+        <p:spPr>
+          <a:xfrm>
+            <a:off x="6959266" y="2532876"/>
+            <a:ext cx="4179570" cy="2376008"/>
+          </a:xfrm>
+          <a:prstGeom prst="rect">
+            <a:avLst/>
+          </a:prstGeom>
+        </p:spPr>
+        <p:txBody>
+          <a:bodyPr vert="horz" lIns="91440" tIns="45720" rIns="91440" bIns="45720" rtlCol="0" anchor="b">
+            <a:noAutofit/>
+          </a:bodyPr>
+          <a:lstStyle>
+            <a:lvl1pPr algn="l" defTabSz="914400" rtl="0" eaLnBrk="1" latinLnBrk="0" hangingPunct="1">
+              <a:lnSpc>
+                <a:spcPct val="90000"/>
+              </a:lnSpc>
+              <a:spcBef>
+                <a:spcPct val="0"/>
+              </a:spcBef>
+              <a:buNone/>
+              <a:defRPr sz="3600" kern="1200" cap="all" spc="150" baseline="0">
+                <a:solidFill>
+                  <a:schemeClr val="bg1"/>
+                </a:solidFill>
+                <a:latin typeface="+mj-lt"/>
+                <a:ea typeface="+mj-ea"/>
+                <a:cs typeface="+mj-cs"/>
+              </a:defRPr>
+            </a:lvl1pPr>
+          </a:lstStyle>
+          <a:p>
+            <a:pPr marL="571500" indent="-571500">
+              <a:buFont typeface="Arial" panose="020B0604020202020204" pitchFamily="34" charset="0"/>
+              <a:buChar char="•"/>
+            </a:pPr>
+            <a:endParaRPr lang="en-US" dirty="0"/>
+          </a:p>
+        </p:txBody>
+      </p:sp>
+      <p:sp>
+        <p:nvSpPr>
+          <p:cNvPr id="10" name="Title 1">
+            <a:extLst>
+              <a:ext uri="{FF2B5EF4-FFF2-40B4-BE49-F238E27FC236}">
+                <a16:creationId xmlns:a16="http://schemas.microsoft.com/office/drawing/2014/main" id="{C37E1BE3-551A-A9AC-CAF1-F493CDF40D7E}"/>
+              </a:ext>
+            </a:extLst>
+          </p:cNvPr>
+          <p:cNvSpPr txBox="1">
+            <a:spLocks/>
+          </p:cNvSpPr>
+          <p:nvPr/>
+        </p:nvSpPr>
+        <p:spPr>
+          <a:xfrm>
+            <a:off x="6096001" y="3218218"/>
+            <a:ext cx="5425810" cy="2605066"/>
+          </a:xfrm>
+          <a:prstGeom prst="rect">
+            <a:avLst/>
+          </a:prstGeom>
+        </p:spPr>
+        <p:txBody>
+          <a:bodyPr vert="horz" lIns="91440" tIns="45720" rIns="91440" bIns="45720" rtlCol="0" anchor="b">
+            <a:noAutofit/>
+          </a:bodyPr>
+          <a:lstStyle>
+            <a:lvl1pPr algn="l" defTabSz="914400" rtl="0" eaLnBrk="1" latinLnBrk="0" hangingPunct="1">
+              <a:lnSpc>
+                <a:spcPct val="90000"/>
+              </a:lnSpc>
+              <a:spcBef>
+                <a:spcPct val="0"/>
+              </a:spcBef>
+              <a:buNone/>
+              <a:defRPr sz="3600" kern="1200" cap="all" spc="150" baseline="0">
+                <a:solidFill>
+                  <a:schemeClr val="bg1"/>
+                </a:solidFill>
+                <a:latin typeface="+mj-lt"/>
+                <a:ea typeface="+mj-ea"/>
+                <a:cs typeface="+mj-cs"/>
+              </a:defRPr>
+            </a:lvl1pPr>
+          </a:lstStyle>
+          <a:p>
+            <a:pPr marL="571500" indent="-571500">
+              <a:buFont typeface="Arial" panose="020B0604020202020204" pitchFamily="34" charset="0"/>
+              <a:buChar char="•"/>
+            </a:pPr>
+            <a:endParaRPr lang="en-US" sz="2600" dirty="0"/>
+          </a:p>
+          <a:p>
+            <a:pPr marL="571500" indent="-571500">
+              <a:buFont typeface="Arial" panose="020B0604020202020204" pitchFamily="34" charset="0"/>
+              <a:buChar char="•"/>
+            </a:pPr>
+            <a:endParaRPr lang="en-US" sz="2600" dirty="0"/>
+          </a:p>
+          <a:p>
+            <a:pPr marL="571500" indent="-571500">
+              <a:buFont typeface="Arial" panose="020B0604020202020204" pitchFamily="34" charset="0"/>
+              <a:buChar char="•"/>
+            </a:pPr>
+            <a:endParaRPr lang="en-US" sz="2600" dirty="0"/>
+          </a:p>
+          <a:p>
+            <a:pPr marL="571500" indent="-571500">
+              <a:buFont typeface="Arial" panose="020B0604020202020204" pitchFamily="34" charset="0"/>
+              <a:buChar char="•"/>
+            </a:pPr>
+            <a:r>
+              <a:rPr lang="en-US" sz="2600" dirty="0"/>
+              <a:t>Docker swarm</a:t>
+            </a:r>
+          </a:p>
+          <a:p>
+            <a:pPr marL="571500" indent="-571500">
+              <a:buFont typeface="Arial" panose="020B0604020202020204" pitchFamily="34" charset="0"/>
+              <a:buChar char="•"/>
+            </a:pPr>
+            <a:r>
+              <a:rPr lang="en-US" sz="2600" dirty="0"/>
+              <a:t>Docker compose</a:t>
+            </a:r>
           </a:p>
         </p:txBody>
       </p:sp>
     </p:spTree>
     <p:extLst>
       <p:ext uri="{BB962C8B-B14F-4D97-AF65-F5344CB8AC3E}">
-        <p14:creationId xmlns:p14="http://schemas.microsoft.com/office/powerpoint/2010/main" val="997536960"/>
+        <p14:creationId xmlns:p14="http://schemas.microsoft.com/office/powerpoint/2010/main" val="2241459136"/>
       </p:ext>
     </p:extLst>
   </p:cSld>
@@ -8491,6 +9620,35 @@
 </file>
 
 <file path=customXml/item1.xml><?xml version="1.0" encoding="utf-8"?>
+<?mso-contentType ?>
+<FormTemplates xmlns="http://schemas.microsoft.com/sharepoint/v3/contenttype/forms">
+  <Display>DocumentLibraryForm</Display>
+  <Edit>DocumentLibraryForm</Edit>
+  <New>DocumentLibraryForm</New>
+</FormTemplates>
+</file>
+
+<file path=customXml/item2.xml><?xml version="1.0" encoding="utf-8"?>
+<p:properties xmlns:p="http://schemas.microsoft.com/office/2006/metadata/properties" xmlns:xsi="http://www.w3.org/2001/XMLSchema-instance" xmlns:pc="http://schemas.microsoft.com/office/infopath/2007/PartnerControls">
+  <documentManagement>
+    <_ip_UnifiedCompliancePolicyUIAction xmlns="http://schemas.microsoft.com/sharepoint/v3" xsi:nil="true"/>
+    <Image xmlns="71af3243-3dd4-4a8d-8c0d-dd76da1f02a5">
+      <Url xsi:nil="true"/>
+      <Description xsi:nil="true"/>
+    </Image>
+    <Status xmlns="71af3243-3dd4-4a8d-8c0d-dd76da1f02a5">Not started</Status>
+    <Background xmlns="71af3243-3dd4-4a8d-8c0d-dd76da1f02a5">false</Background>
+    <_ip_UnifiedCompliancePolicyProperties xmlns="http://schemas.microsoft.com/sharepoint/v3" xsi:nil="true"/>
+    <ImageTagsTaxHTField xmlns="71af3243-3dd4-4a8d-8c0d-dd76da1f02a5">
+      <Terms xmlns="http://schemas.microsoft.com/office/infopath/2007/PartnerControls"/>
+    </ImageTagsTaxHTField>
+    <TaxCatchAll xmlns="230e9df3-be65-4c73-a93b-d1236ebd677e" xsi:nil="true"/>
+    <MediaServiceKeyPoints xmlns="71af3243-3dd4-4a8d-8c0d-dd76da1f02a5" xsi:nil="true"/>
+  </documentManagement>
+</p:properties>
+</file>
+
+<file path=customXml/item3.xml><?xml version="1.0" encoding="utf-8"?>
 <ct:contentTypeSchema xmlns:ct="http://schemas.microsoft.com/office/2006/metadata/contentType" xmlns:ma="http://schemas.microsoft.com/office/2006/metadata/properties/metaAttributes" ct:_="" ma:_="" ma:contentTypeName="Document" ma:contentTypeID="0x01010079F111ED35F8CC479449609E8A0923A6" ma:contentTypeVersion="28" ma:contentTypeDescription="Create a new document." ma:contentTypeScope="" ma:versionID="60f5a4f2d2b0abadcf532d48ebf9cb71">
   <xsd:schema xmlns:xsd="http://www.w3.org/2001/XMLSchema" xmlns:xs="http://www.w3.org/2001/XMLSchema" xmlns:p="http://schemas.microsoft.com/office/2006/metadata/properties" xmlns:ns1="http://schemas.microsoft.com/sharepoint/v3" xmlns:ns2="71af3243-3dd4-4a8d-8c0d-dd76da1f02a5" xmlns:ns3="16c05727-aa75-4e4a-9b5f-8a80a1165891" xmlns:ns4="230e9df3-be65-4c73-a93b-d1236ebd677e" targetNamespace="http://schemas.microsoft.com/office/2006/metadata/properties" ma:root="true" ma:fieldsID="7dd78129e6a1811f84807ad11c651531" ns1:_="" ns2:_="" ns3:_="" ns4:_="">
     <xsd:import namespace="http://schemas.microsoft.com/sharepoint/v3"/>
@@ -8802,36 +9960,27 @@
 </ct:contentTypeSchema>
 </file>
 
-<file path=customXml/item2.xml><?xml version="1.0" encoding="utf-8"?>
-<p:properties xmlns:p="http://schemas.microsoft.com/office/2006/metadata/properties" xmlns:xsi="http://www.w3.org/2001/XMLSchema-instance" xmlns:pc="http://schemas.microsoft.com/office/infopath/2007/PartnerControls">
-  <documentManagement>
-    <_ip_UnifiedCompliancePolicyUIAction xmlns="http://schemas.microsoft.com/sharepoint/v3" xsi:nil="true"/>
-    <Image xmlns="71af3243-3dd4-4a8d-8c0d-dd76da1f02a5">
-      <Url xsi:nil="true"/>
-      <Description xsi:nil="true"/>
-    </Image>
-    <Status xmlns="71af3243-3dd4-4a8d-8c0d-dd76da1f02a5">Not started</Status>
-    <Background xmlns="71af3243-3dd4-4a8d-8c0d-dd76da1f02a5">false</Background>
-    <_ip_UnifiedCompliancePolicyProperties xmlns="http://schemas.microsoft.com/sharepoint/v3" xsi:nil="true"/>
-    <ImageTagsTaxHTField xmlns="71af3243-3dd4-4a8d-8c0d-dd76da1f02a5">
-      <Terms xmlns="http://schemas.microsoft.com/office/infopath/2007/PartnerControls"/>
-    </ImageTagsTaxHTField>
-    <TaxCatchAll xmlns="230e9df3-be65-4c73-a93b-d1236ebd677e" xsi:nil="true"/>
-    <MediaServiceKeyPoints xmlns="71af3243-3dd4-4a8d-8c0d-dd76da1f02a5" xsi:nil="true"/>
-  </documentManagement>
-</p:properties>
+<file path=customXml/itemProps1.xml><?xml version="1.0" encoding="utf-8"?>
+<ds:datastoreItem xmlns:ds="http://schemas.openxmlformats.org/officeDocument/2006/customXml" ds:itemID="{CABF691C-888B-4061-8A6F-D5CE84A0254B}">
+  <ds:schemaRefs>
+    <ds:schemaRef ds:uri="http://schemas.microsoft.com/sharepoint/v3/contenttype/forms"/>
+  </ds:schemaRefs>
+</ds:datastoreItem>
 </file>
 
-<file path=customXml/item3.xml><?xml version="1.0" encoding="utf-8"?>
-<?mso-contentType ?>
-<FormTemplates xmlns="http://schemas.microsoft.com/sharepoint/v3/contenttype/forms">
-  <Display>DocumentLibraryForm</Display>
-  <Edit>DocumentLibraryForm</Edit>
-  <New>DocumentLibraryForm</New>
-</FormTemplates>
+<file path=customXml/itemProps2.xml><?xml version="1.0" encoding="utf-8"?>
+<ds:datastoreItem xmlns:ds="http://schemas.openxmlformats.org/officeDocument/2006/customXml" ds:itemID="{49168DCE-134F-4610-A6AA-88CEBE8D71D2}">
+  <ds:schemaRefs>
+    <ds:schemaRef ds:uri="http://schemas.microsoft.com/office/2006/metadata/properties"/>
+    <ds:schemaRef ds:uri="http://schemas.microsoft.com/office/infopath/2007/PartnerControls"/>
+    <ds:schemaRef ds:uri="http://schemas.microsoft.com/sharepoint/v3"/>
+    <ds:schemaRef ds:uri="71af3243-3dd4-4a8d-8c0d-dd76da1f02a5"/>
+    <ds:schemaRef ds:uri="230e9df3-be65-4c73-a93b-d1236ebd677e"/>
+  </ds:schemaRefs>
+</ds:datastoreItem>
 </file>
 
-<file path=customXml/itemProps1.xml><?xml version="1.0" encoding="utf-8"?>
+<file path=customXml/itemProps3.xml><?xml version="1.0" encoding="utf-8"?>
 <ds:datastoreItem xmlns:ds="http://schemas.openxmlformats.org/officeDocument/2006/customXml" ds:itemID="{5EDE3176-A15D-46A3-BDDB-64A0D7363224}">
   <ds:schemaRefs>
     <ds:schemaRef ds:uri="http://schemas.microsoft.com/office/2006/metadata/contentType"/>
@@ -8852,26 +10001,6 @@
 </ds:datastoreItem>
 </file>
 
-<file path=customXml/itemProps2.xml><?xml version="1.0" encoding="utf-8"?>
-<ds:datastoreItem xmlns:ds="http://schemas.openxmlformats.org/officeDocument/2006/customXml" ds:itemID="{49168DCE-134F-4610-A6AA-88CEBE8D71D2}">
-  <ds:schemaRefs>
-    <ds:schemaRef ds:uri="http://schemas.microsoft.com/office/2006/metadata/properties"/>
-    <ds:schemaRef ds:uri="http://schemas.microsoft.com/office/infopath/2007/PartnerControls"/>
-    <ds:schemaRef ds:uri="http://schemas.microsoft.com/sharepoint/v3"/>
-    <ds:schemaRef ds:uri="71af3243-3dd4-4a8d-8c0d-dd76da1f02a5"/>
-    <ds:schemaRef ds:uri="230e9df3-be65-4c73-a93b-d1236ebd677e"/>
-  </ds:schemaRefs>
-</ds:datastoreItem>
-</file>
-
-<file path=customXml/itemProps3.xml><?xml version="1.0" encoding="utf-8"?>
-<ds:datastoreItem xmlns:ds="http://schemas.openxmlformats.org/officeDocument/2006/customXml" ds:itemID="{CABF691C-888B-4061-8A6F-D5CE84A0254B}">
-  <ds:schemaRefs>
-    <ds:schemaRef ds:uri="http://schemas.microsoft.com/sharepoint/v3/contenttype/forms"/>
-  </ds:schemaRefs>
-</ds:datastoreItem>
-</file>
-
 <file path=docMetadata/LabelInfo.xml><?xml version="1.0" encoding="utf-8"?>
 <clbl:labelList xmlns:clbl="http://schemas.microsoft.com/office/2020/mipLabelMetadata"/>
 </file>